--- a/doc/用户故事地图.pptx
+++ b/doc/用户故事地图.pptx
@@ -245,7 +245,7 @@
           <a:p>
             <a:fld id="{F54AF529-3E48-4C76-AFC1-2CB7DD08437F}" type="datetimeFigureOut">
               <a:rPr lang="zh-CN" altLang="en-US" smtClean="0"/>
-              <a:t>2021/10/19</a:t>
+              <a:t>2021/11/3</a:t>
             </a:fld>
             <a:endParaRPr lang="zh-CN" altLang="en-US"/>
           </a:p>
@@ -415,7 +415,7 @@
           <a:p>
             <a:fld id="{F54AF529-3E48-4C76-AFC1-2CB7DD08437F}" type="datetimeFigureOut">
               <a:rPr lang="zh-CN" altLang="en-US" smtClean="0"/>
-              <a:t>2021/10/19</a:t>
+              <a:t>2021/11/3</a:t>
             </a:fld>
             <a:endParaRPr lang="zh-CN" altLang="en-US"/>
           </a:p>
@@ -595,7 +595,7 @@
           <a:p>
             <a:fld id="{F54AF529-3E48-4C76-AFC1-2CB7DD08437F}" type="datetimeFigureOut">
               <a:rPr lang="zh-CN" altLang="en-US" smtClean="0"/>
-              <a:t>2021/10/19</a:t>
+              <a:t>2021/11/3</a:t>
             </a:fld>
             <a:endParaRPr lang="zh-CN" altLang="en-US"/>
           </a:p>
@@ -765,7 +765,7 @@
           <a:p>
             <a:fld id="{F54AF529-3E48-4C76-AFC1-2CB7DD08437F}" type="datetimeFigureOut">
               <a:rPr lang="zh-CN" altLang="en-US" smtClean="0"/>
-              <a:t>2021/10/19</a:t>
+              <a:t>2021/11/3</a:t>
             </a:fld>
             <a:endParaRPr lang="zh-CN" altLang="en-US"/>
           </a:p>
@@ -1011,7 +1011,7 @@
           <a:p>
             <a:fld id="{F54AF529-3E48-4C76-AFC1-2CB7DD08437F}" type="datetimeFigureOut">
               <a:rPr lang="zh-CN" altLang="en-US" smtClean="0"/>
-              <a:t>2021/10/19</a:t>
+              <a:t>2021/11/3</a:t>
             </a:fld>
             <a:endParaRPr lang="zh-CN" altLang="en-US"/>
           </a:p>
@@ -1243,7 +1243,7 @@
           <a:p>
             <a:fld id="{F54AF529-3E48-4C76-AFC1-2CB7DD08437F}" type="datetimeFigureOut">
               <a:rPr lang="zh-CN" altLang="en-US" smtClean="0"/>
-              <a:t>2021/10/19</a:t>
+              <a:t>2021/11/3</a:t>
             </a:fld>
             <a:endParaRPr lang="zh-CN" altLang="en-US"/>
           </a:p>
@@ -1610,7 +1610,7 @@
           <a:p>
             <a:fld id="{F54AF529-3E48-4C76-AFC1-2CB7DD08437F}" type="datetimeFigureOut">
               <a:rPr lang="zh-CN" altLang="en-US" smtClean="0"/>
-              <a:t>2021/10/19</a:t>
+              <a:t>2021/11/3</a:t>
             </a:fld>
             <a:endParaRPr lang="zh-CN" altLang="en-US"/>
           </a:p>
@@ -1728,7 +1728,7 @@
           <a:p>
             <a:fld id="{F54AF529-3E48-4C76-AFC1-2CB7DD08437F}" type="datetimeFigureOut">
               <a:rPr lang="zh-CN" altLang="en-US" smtClean="0"/>
-              <a:t>2021/10/19</a:t>
+              <a:t>2021/11/3</a:t>
             </a:fld>
             <a:endParaRPr lang="zh-CN" altLang="en-US"/>
           </a:p>
@@ -1823,7 +1823,7 @@
           <a:p>
             <a:fld id="{F54AF529-3E48-4C76-AFC1-2CB7DD08437F}" type="datetimeFigureOut">
               <a:rPr lang="zh-CN" altLang="en-US" smtClean="0"/>
-              <a:t>2021/10/19</a:t>
+              <a:t>2021/11/3</a:t>
             </a:fld>
             <a:endParaRPr lang="zh-CN" altLang="en-US"/>
           </a:p>
@@ -2100,7 +2100,7 @@
           <a:p>
             <a:fld id="{F54AF529-3E48-4C76-AFC1-2CB7DD08437F}" type="datetimeFigureOut">
               <a:rPr lang="zh-CN" altLang="en-US" smtClean="0"/>
-              <a:t>2021/10/19</a:t>
+              <a:t>2021/11/3</a:t>
             </a:fld>
             <a:endParaRPr lang="zh-CN" altLang="en-US"/>
           </a:p>
@@ -2357,7 +2357,7 @@
           <a:p>
             <a:fld id="{F54AF529-3E48-4C76-AFC1-2CB7DD08437F}" type="datetimeFigureOut">
               <a:rPr lang="zh-CN" altLang="en-US" smtClean="0"/>
-              <a:t>2021/10/19</a:t>
+              <a:t>2021/11/3</a:t>
             </a:fld>
             <a:endParaRPr lang="zh-CN" altLang="en-US"/>
           </a:p>
@@ -2570,7 +2570,7 @@
           <a:p>
             <a:fld id="{F54AF529-3E48-4C76-AFC1-2CB7DD08437F}" type="datetimeFigureOut">
               <a:rPr lang="zh-CN" altLang="en-US" smtClean="0"/>
-              <a:t>2021/10/19</a:t>
+              <a:t>2021/11/3</a:t>
             </a:fld>
             <a:endParaRPr lang="zh-CN" altLang="en-US"/>
           </a:p>
@@ -3382,10 +3382,7 @@
             </a:avLst>
           </a:prstGeom>
           <a:solidFill>
-            <a:schemeClr val="accent4">
-              <a:lumMod val="40000"/>
-              <a:lumOff val="60000"/>
-            </a:schemeClr>
+            <a:srgbClr val="D9D9D9"/>
           </a:solidFill>
           <a:ln>
             <a:noFill/>
@@ -3437,7 +3434,7 @@
         </p:nvSpPr>
         <p:spPr>
           <a:xfrm>
-            <a:off x="1333130" y="5710322"/>
+            <a:off x="1333130" y="5275661"/>
             <a:ext cx="1371599" cy="723013"/>
           </a:xfrm>
           <a:prstGeom prst="snip1Rect">
@@ -3446,7 +3443,10 @@
             </a:avLst>
           </a:prstGeom>
           <a:solidFill>
-            <a:srgbClr val="F27E9A"/>
+            <a:schemeClr val="accent2">
+              <a:lumMod val="60000"/>
+              <a:lumOff val="40000"/>
+            </a:schemeClr>
           </a:solidFill>
           <a:ln>
             <a:noFill/>
@@ -3498,7 +3498,7 @@
         </p:nvSpPr>
         <p:spPr>
           <a:xfrm>
-            <a:off x="3104950" y="2904338"/>
+            <a:off x="4835078" y="4160420"/>
             <a:ext cx="1371599" cy="723013"/>
           </a:xfrm>
           <a:prstGeom prst="snip1Rect">
@@ -3507,10 +3507,7 @@
             </a:avLst>
           </a:prstGeom>
           <a:solidFill>
-            <a:schemeClr val="accent4">
-              <a:lumMod val="40000"/>
-              <a:lumOff val="60000"/>
-            </a:schemeClr>
+            <a:srgbClr val="FFE699"/>
           </a:solidFill>
           <a:ln>
             <a:noFill/>
@@ -3562,7 +3559,7 @@
         </p:nvSpPr>
         <p:spPr>
           <a:xfrm>
-            <a:off x="4869512" y="2895560"/>
+            <a:off x="3103622" y="2904340"/>
             <a:ext cx="1371599" cy="723013"/>
           </a:xfrm>
           <a:prstGeom prst="snip1Rect">
@@ -3571,10 +3568,7 @@
             </a:avLst>
           </a:prstGeom>
           <a:solidFill>
-            <a:schemeClr val="accent4">
-              <a:lumMod val="40000"/>
-              <a:lumOff val="60000"/>
-            </a:schemeClr>
+            <a:srgbClr val="D9D9D9"/>
           </a:solidFill>
           <a:ln>
             <a:noFill/>
@@ -3635,9 +3629,7 @@
             </a:avLst>
           </a:prstGeom>
           <a:solidFill>
-            <a:schemeClr val="bg1">
-              <a:lumMod val="85000"/>
-            </a:schemeClr>
+            <a:srgbClr val="FFE699"/>
           </a:solidFill>
           <a:ln>
             <a:noFill/>
@@ -3689,7 +3681,7 @@
         </p:nvSpPr>
         <p:spPr>
           <a:xfrm>
-            <a:off x="6590658" y="4155605"/>
+            <a:off x="8470106" y="4160421"/>
             <a:ext cx="1371599" cy="723013"/>
           </a:xfrm>
           <a:prstGeom prst="snip1Rect">
@@ -3698,9 +3690,7 @@
             </a:avLst>
           </a:prstGeom>
           <a:solidFill>
-            <a:schemeClr val="bg1">
-              <a:lumMod val="85000"/>
-            </a:schemeClr>
+            <a:srgbClr val="FFE699"/>
           </a:solidFill>
           <a:ln>
             <a:noFill/>
@@ -3752,7 +3742,7 @@
         </p:nvSpPr>
         <p:spPr>
           <a:xfrm>
-            <a:off x="6590658" y="2923071"/>
+            <a:off x="6618982" y="4160419"/>
             <a:ext cx="1371599" cy="723013"/>
           </a:xfrm>
           <a:prstGeom prst="snip1Rect">
@@ -3761,10 +3751,7 @@
             </a:avLst>
           </a:prstGeom>
           <a:solidFill>
-            <a:schemeClr val="accent4">
-              <a:lumMod val="40000"/>
-              <a:lumOff val="60000"/>
-            </a:schemeClr>
+            <a:srgbClr val="FFE699"/>
           </a:solidFill>
           <a:ln>
             <a:noFill/>
@@ -3797,133 +3784,7 @@
                   <a:sysClr val="windowText" lastClr="000000"/>
                 </a:solidFill>
               </a:rPr>
-              <a:t>匿名聊天</a:t>
-            </a:r>
-          </a:p>
-        </p:txBody>
-      </p:sp>
-      <p:sp>
-        <p:nvSpPr>
-          <p:cNvPr id="18" name="矩形: 剪去单角 17">
-            <a:extLst>
-              <a:ext uri="{FF2B5EF4-FFF2-40B4-BE49-F238E27FC236}">
-                <a16:creationId xmlns:a16="http://schemas.microsoft.com/office/drawing/2014/main" id="{94163442-D2EB-45D9-9E51-348E135C79C8}"/>
-              </a:ext>
-            </a:extLst>
-          </p:cNvPr>
-          <p:cNvSpPr/>
-          <p:nvPr/>
-        </p:nvSpPr>
-        <p:spPr>
-          <a:xfrm>
-            <a:off x="8308553" y="4164383"/>
-            <a:ext cx="1371599" cy="723013"/>
-          </a:xfrm>
-          <a:prstGeom prst="snip1Rect">
-            <a:avLst>
-              <a:gd name="adj" fmla="val 17966"/>
-            </a:avLst>
-          </a:prstGeom>
-          <a:solidFill>
-            <a:schemeClr val="bg1">
-              <a:lumMod val="85000"/>
-            </a:schemeClr>
-          </a:solidFill>
-          <a:ln>
-            <a:noFill/>
-          </a:ln>
-        </p:spPr>
-        <p:style>
-          <a:lnRef idx="2">
-            <a:schemeClr val="accent1">
-              <a:shade val="50000"/>
-            </a:schemeClr>
-          </a:lnRef>
-          <a:fillRef idx="1">
-            <a:schemeClr val="accent1"/>
-          </a:fillRef>
-          <a:effectRef idx="0">
-            <a:schemeClr val="accent1"/>
-          </a:effectRef>
-          <a:fontRef idx="minor">
-            <a:schemeClr val="lt1"/>
-          </a:fontRef>
-        </p:style>
-        <p:txBody>
-          <a:bodyPr rtlCol="0" anchor="ctr"/>
-          <a:lstStyle/>
-          <a:p>
-            <a:pPr algn="ctr"/>
-            <a:r>
-              <a:rPr lang="zh-CN" altLang="en-US" sz="2000" dirty="0">
-                <a:solidFill>
-                  <a:sysClr val="windowText" lastClr="000000"/>
-                </a:solidFill>
-              </a:rPr>
-              <a:t>双向取匿</a:t>
-            </a:r>
-          </a:p>
-        </p:txBody>
-      </p:sp>
-      <p:sp>
-        <p:nvSpPr>
-          <p:cNvPr id="19" name="矩形: 剪去单角 18">
-            <a:extLst>
-              <a:ext uri="{FF2B5EF4-FFF2-40B4-BE49-F238E27FC236}">
-                <a16:creationId xmlns:a16="http://schemas.microsoft.com/office/drawing/2014/main" id="{406B930A-4C50-424C-A717-8AA20BB45CD7}"/>
-              </a:ext>
-            </a:extLst>
-          </p:cNvPr>
-          <p:cNvSpPr/>
-          <p:nvPr/>
-        </p:nvSpPr>
-        <p:spPr>
-          <a:xfrm>
-            <a:off x="4876769" y="4164381"/>
-            <a:ext cx="1371599" cy="723013"/>
-          </a:xfrm>
-          <a:prstGeom prst="snip1Rect">
-            <a:avLst>
-              <a:gd name="adj" fmla="val 17966"/>
-            </a:avLst>
-          </a:prstGeom>
-          <a:solidFill>
-            <a:schemeClr val="bg1">
-              <a:lumMod val="85000"/>
-            </a:schemeClr>
-          </a:solidFill>
-          <a:ln>
-            <a:noFill/>
-          </a:ln>
-        </p:spPr>
-        <p:style>
-          <a:lnRef idx="2">
-            <a:schemeClr val="accent1">
-              <a:shade val="50000"/>
-            </a:schemeClr>
-          </a:lnRef>
-          <a:fillRef idx="1">
-            <a:schemeClr val="accent1"/>
-          </a:fillRef>
-          <a:effectRef idx="0">
-            <a:schemeClr val="accent1"/>
-          </a:effectRef>
-          <a:fontRef idx="minor">
-            <a:schemeClr val="lt1"/>
-          </a:fontRef>
-        </p:style>
-        <p:txBody>
-          <a:bodyPr rtlCol="0" anchor="ctr"/>
-          <a:lstStyle/>
-          <a:p>
-            <a:pPr algn="ctr"/>
-            <a:r>
-              <a:rPr lang="zh-CN" altLang="en-US" sz="2000" dirty="0">
-                <a:solidFill>
-                  <a:sysClr val="windowText" lastClr="000000"/>
-                </a:solidFill>
-              </a:rPr>
-              <a:t>关闭报名</a:t>
+              <a:t>聊天</a:t>
             </a:r>
           </a:p>
         </p:txBody>
@@ -3951,10 +3812,7 @@
             </a:avLst>
           </a:prstGeom>
           <a:solidFill>
-            <a:schemeClr val="accent4">
-              <a:lumMod val="40000"/>
-              <a:lumOff val="60000"/>
-            </a:schemeClr>
+            <a:srgbClr val="D9D9D9"/>
           </a:solidFill>
           <a:ln>
             <a:noFill/>
@@ -3987,7 +3845,7 @@
                   <a:sysClr val="windowText" lastClr="000000"/>
                 </a:solidFill>
               </a:rPr>
-              <a:t>双向确认</a:t>
+              <a:t>单向确认</a:t>
             </a:r>
           </a:p>
         </p:txBody>
@@ -4015,10 +3873,7 @@
             </a:avLst>
           </a:prstGeom>
           <a:solidFill>
-            <a:schemeClr val="accent4">
-              <a:lumMod val="40000"/>
-              <a:lumOff val="60000"/>
-            </a:schemeClr>
+            <a:srgbClr val="D9D9D9"/>
           </a:solidFill>
           <a:ln>
             <a:noFill/>
@@ -4070,7 +3925,7 @@
         </p:nvSpPr>
         <p:spPr>
           <a:xfrm>
-            <a:off x="12193130" y="4174858"/>
+            <a:off x="12193129" y="4160420"/>
             <a:ext cx="1371599" cy="723013"/>
           </a:xfrm>
           <a:prstGeom prst="snip1Rect">
@@ -4079,9 +3934,7 @@
             </a:avLst>
           </a:prstGeom>
           <a:solidFill>
-            <a:schemeClr val="bg1">
-              <a:lumMod val="85000"/>
-            </a:schemeClr>
+            <a:srgbClr val="FFE699"/>
           </a:solidFill>
           <a:ln>
             <a:noFill/>
@@ -4133,7 +3986,7 @@
         </p:nvSpPr>
         <p:spPr>
           <a:xfrm>
-            <a:off x="14309896" y="5710323"/>
+            <a:off x="14309896" y="6313435"/>
             <a:ext cx="1371599" cy="723013"/>
           </a:xfrm>
           <a:prstGeom prst="snip1Rect">
@@ -4194,7 +4047,7 @@
         </p:nvSpPr>
         <p:spPr>
           <a:xfrm>
-            <a:off x="16087895" y="5710323"/>
+            <a:off x="16087895" y="6313435"/>
             <a:ext cx="1371599" cy="723013"/>
           </a:xfrm>
           <a:prstGeom prst="snip1Rect">
@@ -4237,67 +4090,6 @@
                 </a:solidFill>
               </a:rPr>
               <a:t>查看信用</a:t>
-            </a:r>
-          </a:p>
-        </p:txBody>
-      </p:sp>
-      <p:sp>
-        <p:nvSpPr>
-          <p:cNvPr id="25" name="矩形: 剪去单角 24">
-            <a:extLst>
-              <a:ext uri="{FF2B5EF4-FFF2-40B4-BE49-F238E27FC236}">
-                <a16:creationId xmlns:a16="http://schemas.microsoft.com/office/drawing/2014/main" id="{28B6FC3D-806C-43FF-8D14-166B84826BB4}"/>
-              </a:ext>
-            </a:extLst>
-          </p:cNvPr>
-          <p:cNvSpPr/>
-          <p:nvPr/>
-        </p:nvSpPr>
-        <p:spPr>
-          <a:xfrm>
-            <a:off x="14309896" y="6748095"/>
-            <a:ext cx="1371599" cy="723013"/>
-          </a:xfrm>
-          <a:prstGeom prst="snip1Rect">
-            <a:avLst>
-              <a:gd name="adj" fmla="val 17966"/>
-            </a:avLst>
-          </a:prstGeom>
-          <a:solidFill>
-            <a:srgbClr val="F27E9A"/>
-          </a:solidFill>
-          <a:ln>
-            <a:noFill/>
-          </a:ln>
-        </p:spPr>
-        <p:style>
-          <a:lnRef idx="2">
-            <a:schemeClr val="accent1">
-              <a:shade val="50000"/>
-            </a:schemeClr>
-          </a:lnRef>
-          <a:fillRef idx="1">
-            <a:schemeClr val="accent1"/>
-          </a:fillRef>
-          <a:effectRef idx="0">
-            <a:schemeClr val="accent1"/>
-          </a:effectRef>
-          <a:fontRef idx="minor">
-            <a:schemeClr val="lt1"/>
-          </a:fontRef>
-        </p:style>
-        <p:txBody>
-          <a:bodyPr rtlCol="0" anchor="ctr"/>
-          <a:lstStyle/>
-          <a:p>
-            <a:pPr algn="ctr"/>
-            <a:r>
-              <a:rPr lang="zh-CN" altLang="en-US" sz="2000" dirty="0">
-                <a:solidFill>
-                  <a:sysClr val="windowText" lastClr="000000"/>
-                </a:solidFill>
-              </a:rPr>
-              <a:t>变更形象</a:t>
             </a:r>
           </a:p>
         </p:txBody>
@@ -4316,7 +4108,7 @@
         </p:nvSpPr>
         <p:spPr>
           <a:xfrm>
-            <a:off x="16087895" y="6748095"/>
+            <a:off x="14309895" y="7351207"/>
             <a:ext cx="1371599" cy="723013"/>
           </a:xfrm>
           <a:prstGeom prst="snip1Rect">
@@ -4377,7 +4169,7 @@
         </p:nvSpPr>
         <p:spPr>
           <a:xfrm>
-            <a:off x="14270978" y="4174858"/>
+            <a:off x="14268323" y="5275663"/>
             <a:ext cx="1371599" cy="723013"/>
           </a:xfrm>
           <a:prstGeom prst="snip1Rect">
@@ -4386,8 +4178,9 @@
             </a:avLst>
           </a:prstGeom>
           <a:solidFill>
-            <a:schemeClr val="bg1">
-              <a:lumMod val="85000"/>
+            <a:schemeClr val="accent2">
+              <a:lumMod val="60000"/>
+              <a:lumOff val="40000"/>
             </a:schemeClr>
           </a:solidFill>
           <a:ln>
@@ -4475,7 +4268,7 @@
         </p:nvSpPr>
         <p:spPr>
           <a:xfrm>
-            <a:off x="14317955" y="2942271"/>
+            <a:off x="14309895" y="2923071"/>
             <a:ext cx="1371599" cy="723013"/>
           </a:xfrm>
           <a:prstGeom prst="snip1Rect">
@@ -4484,10 +4277,7 @@
             </a:avLst>
           </a:prstGeom>
           <a:solidFill>
-            <a:schemeClr val="accent4">
-              <a:lumMod val="40000"/>
-              <a:lumOff val="60000"/>
-            </a:schemeClr>
+            <a:srgbClr val="D9D9D9"/>
           </a:solidFill>
           <a:ln>
             <a:noFill/>
@@ -4525,6 +4315,255 @@
           </a:p>
         </p:txBody>
       </p:sp>
+      <p:sp>
+        <p:nvSpPr>
+          <p:cNvPr id="29" name="矩形: 剪去单角 28">
+            <a:extLst>
+              <a:ext uri="{FF2B5EF4-FFF2-40B4-BE49-F238E27FC236}">
+                <a16:creationId xmlns:a16="http://schemas.microsoft.com/office/drawing/2014/main" id="{EFA24D8B-079E-4F18-BC42-8F18019EF1D5}"/>
+              </a:ext>
+            </a:extLst>
+          </p:cNvPr>
+          <p:cNvSpPr/>
+          <p:nvPr/>
+        </p:nvSpPr>
+        <p:spPr>
+          <a:xfrm>
+            <a:off x="6588003" y="5275662"/>
+            <a:ext cx="1371599" cy="723013"/>
+          </a:xfrm>
+          <a:prstGeom prst="snip1Rect">
+            <a:avLst>
+              <a:gd name="adj" fmla="val 17966"/>
+            </a:avLst>
+          </a:prstGeom>
+          <a:solidFill>
+            <a:schemeClr val="accent2">
+              <a:lumMod val="60000"/>
+              <a:lumOff val="40000"/>
+            </a:schemeClr>
+          </a:solidFill>
+          <a:ln>
+            <a:noFill/>
+          </a:ln>
+        </p:spPr>
+        <p:style>
+          <a:lnRef idx="2">
+            <a:schemeClr val="accent1">
+              <a:shade val="50000"/>
+            </a:schemeClr>
+          </a:lnRef>
+          <a:fillRef idx="1">
+            <a:schemeClr val="accent1"/>
+          </a:fillRef>
+          <a:effectRef idx="0">
+            <a:schemeClr val="accent1"/>
+          </a:effectRef>
+          <a:fontRef idx="minor">
+            <a:schemeClr val="lt1"/>
+          </a:fontRef>
+        </p:style>
+        <p:txBody>
+          <a:bodyPr rtlCol="0" anchor="ctr"/>
+          <a:lstStyle/>
+          <a:p>
+            <a:pPr algn="ctr"/>
+            <a:r>
+              <a:rPr lang="zh-CN" altLang="en-US" sz="2000" dirty="0">
+                <a:solidFill>
+                  <a:sysClr val="windowText" lastClr="000000"/>
+                </a:solidFill>
+              </a:rPr>
+              <a:t>匿名</a:t>
+            </a:r>
+            <a:endParaRPr lang="en-US" altLang="zh-CN" sz="2000" dirty="0">
+              <a:solidFill>
+                <a:sysClr val="windowText" lastClr="000000"/>
+              </a:solidFill>
+            </a:endParaRPr>
+          </a:p>
+          <a:p>
+            <a:pPr algn="ctr"/>
+            <a:r>
+              <a:rPr lang="en-US" altLang="zh-CN" sz="2000" dirty="0">
+                <a:solidFill>
+                  <a:sysClr val="windowText" lastClr="000000"/>
+                </a:solidFill>
+              </a:rPr>
+              <a:t>&amp;</a:t>
+            </a:r>
+            <a:r>
+              <a:rPr lang="zh-CN" altLang="en-US" sz="2000" dirty="0">
+                <a:solidFill>
+                  <a:sysClr val="windowText" lastClr="000000"/>
+                </a:solidFill>
+              </a:rPr>
+              <a:t>取匿</a:t>
+            </a:r>
+          </a:p>
+        </p:txBody>
+      </p:sp>
+      <p:sp>
+        <p:nvSpPr>
+          <p:cNvPr id="30" name="矩形: 剪去单角 29">
+            <a:extLst>
+              <a:ext uri="{FF2B5EF4-FFF2-40B4-BE49-F238E27FC236}">
+                <a16:creationId xmlns:a16="http://schemas.microsoft.com/office/drawing/2014/main" id="{965E9793-4F41-49C6-BB0A-F8D5E510D1A8}"/>
+              </a:ext>
+            </a:extLst>
+          </p:cNvPr>
+          <p:cNvSpPr/>
+          <p:nvPr/>
+        </p:nvSpPr>
+        <p:spPr>
+          <a:xfrm>
+            <a:off x="10076366" y="4181602"/>
+            <a:ext cx="1371599" cy="723013"/>
+          </a:xfrm>
+          <a:prstGeom prst="snip1Rect">
+            <a:avLst>
+              <a:gd name="adj" fmla="val 17966"/>
+            </a:avLst>
+          </a:prstGeom>
+          <a:solidFill>
+            <a:srgbClr val="FFE699"/>
+          </a:solidFill>
+          <a:ln>
+            <a:noFill/>
+          </a:ln>
+        </p:spPr>
+        <p:style>
+          <a:lnRef idx="2">
+            <a:schemeClr val="accent1">
+              <a:shade val="50000"/>
+            </a:schemeClr>
+          </a:lnRef>
+          <a:fillRef idx="1">
+            <a:schemeClr val="accent1"/>
+          </a:fillRef>
+          <a:effectRef idx="0">
+            <a:schemeClr val="accent1"/>
+          </a:effectRef>
+          <a:fontRef idx="minor">
+            <a:schemeClr val="lt1"/>
+          </a:fontRef>
+        </p:style>
+        <p:txBody>
+          <a:bodyPr rtlCol="0" anchor="ctr"/>
+          <a:lstStyle/>
+          <a:p>
+            <a:pPr algn="ctr"/>
+            <a:r>
+              <a:rPr lang="zh-CN" altLang="en-US" sz="2000" dirty="0">
+                <a:solidFill>
+                  <a:sysClr val="windowText" lastClr="000000"/>
+                </a:solidFill>
+              </a:rPr>
+              <a:t>双向确认</a:t>
+            </a:r>
+          </a:p>
+        </p:txBody>
+      </p:sp>
+      <p:sp>
+        <p:nvSpPr>
+          <p:cNvPr id="31" name="矩形: 剪去单角 30">
+            <a:extLst>
+              <a:ext uri="{FF2B5EF4-FFF2-40B4-BE49-F238E27FC236}">
+                <a16:creationId xmlns:a16="http://schemas.microsoft.com/office/drawing/2014/main" id="{C84A9556-64A5-4C0D-9804-1625E6D90231}"/>
+              </a:ext>
+            </a:extLst>
+          </p:cNvPr>
+          <p:cNvSpPr/>
+          <p:nvPr/>
+        </p:nvSpPr>
+        <p:spPr>
+          <a:xfrm>
+            <a:off x="6588003" y="2940460"/>
+            <a:ext cx="1371599" cy="723013"/>
+          </a:xfrm>
+          <a:prstGeom prst="snip1Rect">
+            <a:avLst>
+              <a:gd name="adj" fmla="val 17966"/>
+            </a:avLst>
+          </a:prstGeom>
+          <a:solidFill>
+            <a:srgbClr val="D9D9D9"/>
+          </a:solidFill>
+          <a:ln>
+            <a:noFill/>
+          </a:ln>
+        </p:spPr>
+        <p:style>
+          <a:lnRef idx="2">
+            <a:schemeClr val="accent1">
+              <a:shade val="50000"/>
+            </a:schemeClr>
+          </a:lnRef>
+          <a:fillRef idx="1">
+            <a:schemeClr val="accent1"/>
+          </a:fillRef>
+          <a:effectRef idx="0">
+            <a:schemeClr val="accent1"/>
+          </a:effectRef>
+          <a:fontRef idx="minor">
+            <a:schemeClr val="lt1"/>
+          </a:fontRef>
+        </p:style>
+        <p:txBody>
+          <a:bodyPr rtlCol="0" anchor="ctr"/>
+          <a:lstStyle/>
+          <a:p>
+            <a:pPr algn="ctr"/>
+            <a:r>
+              <a:rPr lang="zh-CN" altLang="en-US" sz="2000" dirty="0">
+                <a:solidFill>
+                  <a:sysClr val="windowText" lastClr="000000"/>
+                </a:solidFill>
+              </a:rPr>
+              <a:t>直接报名</a:t>
+            </a:r>
+          </a:p>
+        </p:txBody>
+      </p:sp>
+      <p:cxnSp>
+        <p:nvCxnSpPr>
+          <p:cNvPr id="32" name="直接连接符 31">
+            <a:extLst>
+              <a:ext uri="{FF2B5EF4-FFF2-40B4-BE49-F238E27FC236}">
+                <a16:creationId xmlns:a16="http://schemas.microsoft.com/office/drawing/2014/main" id="{90A5981F-1453-4EB7-83AF-2854CAFD172C}"/>
+              </a:ext>
+            </a:extLst>
+          </p:cNvPr>
+          <p:cNvCxnSpPr/>
+          <p:nvPr/>
+        </p:nvCxnSpPr>
+        <p:spPr>
+          <a:xfrm>
+            <a:off x="700391" y="2684833"/>
+            <a:ext cx="16634298" cy="0"/>
+          </a:xfrm>
+          <a:prstGeom prst="line">
+            <a:avLst/>
+          </a:prstGeom>
+          <a:ln w="19050">
+            <a:prstDash val="lgDash"/>
+          </a:ln>
+        </p:spPr>
+        <p:style>
+          <a:lnRef idx="1">
+            <a:schemeClr val="accent1"/>
+          </a:lnRef>
+          <a:fillRef idx="0">
+            <a:schemeClr val="accent1"/>
+          </a:fillRef>
+          <a:effectRef idx="0">
+            <a:schemeClr val="accent1"/>
+          </a:effectRef>
+          <a:fontRef idx="minor">
+            <a:schemeClr val="tx1"/>
+          </a:fontRef>
+        </p:style>
+      </p:cxnSp>
     </p:spTree>
     <p:extLst>
       <p:ext uri="{BB962C8B-B14F-4D97-AF65-F5344CB8AC3E}">
@@ -4569,7 +4608,7 @@
         </p:nvSpPr>
         <p:spPr>
           <a:xfrm>
-            <a:off x="1356167" y="1699316"/>
+            <a:off x="1356167" y="1426940"/>
             <a:ext cx="1371599" cy="723013"/>
           </a:xfrm>
           <a:prstGeom prst="snip1Rect">
@@ -4633,7 +4672,7 @@
         </p:nvSpPr>
         <p:spPr>
           <a:xfrm>
-            <a:off x="3104950" y="1699313"/>
+            <a:off x="3104950" y="1426937"/>
             <a:ext cx="1371599" cy="723013"/>
           </a:xfrm>
           <a:prstGeom prst="snip1Rect">
@@ -4697,7 +4736,7 @@
         </p:nvSpPr>
         <p:spPr>
           <a:xfrm>
-            <a:off x="6590658" y="1690537"/>
+            <a:off x="6590658" y="1418161"/>
             <a:ext cx="1371599" cy="723013"/>
           </a:xfrm>
           <a:prstGeom prst="snip1Rect">
@@ -4761,7 +4800,7 @@
         </p:nvSpPr>
         <p:spPr>
           <a:xfrm>
-            <a:off x="10076366" y="1699318"/>
+            <a:off x="10076366" y="1426942"/>
             <a:ext cx="1371599" cy="723013"/>
           </a:xfrm>
           <a:prstGeom prst="snip1Rect">
@@ -4825,7 +4864,7 @@
         </p:nvSpPr>
         <p:spPr>
           <a:xfrm>
-            <a:off x="12193130" y="1699318"/>
+            <a:off x="12193130" y="1426942"/>
             <a:ext cx="1371599" cy="723013"/>
           </a:xfrm>
           <a:prstGeom prst="snip1Rect">
@@ -4889,7 +4928,7 @@
         </p:nvSpPr>
         <p:spPr>
           <a:xfrm>
-            <a:off x="14309896" y="1699315"/>
+            <a:off x="14309896" y="1426939"/>
             <a:ext cx="1371599" cy="723013"/>
           </a:xfrm>
           <a:prstGeom prst="snip1Rect">
@@ -4953,7 +4992,7 @@
         </p:nvSpPr>
         <p:spPr>
           <a:xfrm>
-            <a:off x="1333130" y="2904341"/>
+            <a:off x="1333130" y="2631965"/>
             <a:ext cx="1371599" cy="723013"/>
           </a:xfrm>
           <a:prstGeom prst="snip1Rect">
@@ -4962,10 +5001,7 @@
             </a:avLst>
           </a:prstGeom>
           <a:solidFill>
-            <a:schemeClr val="accent4">
-              <a:lumMod val="40000"/>
-              <a:lumOff val="60000"/>
-            </a:schemeClr>
+            <a:srgbClr val="D9D9D9"/>
           </a:solidFill>
           <a:ln>
             <a:noFill/>
@@ -5017,7 +5053,7 @@
         </p:nvSpPr>
         <p:spPr>
           <a:xfrm>
-            <a:off x="1356167" y="5317968"/>
+            <a:off x="1363164" y="4871462"/>
             <a:ext cx="1371599" cy="723013"/>
           </a:xfrm>
           <a:prstGeom prst="snip1Rect">
@@ -5026,7 +5062,10 @@
             </a:avLst>
           </a:prstGeom>
           <a:solidFill>
-            <a:srgbClr val="F27E9A"/>
+            <a:schemeClr val="accent2">
+              <a:lumMod val="60000"/>
+              <a:lumOff val="40000"/>
+            </a:schemeClr>
           </a:solidFill>
           <a:ln>
             <a:noFill/>
@@ -5078,7 +5117,7 @@
         </p:nvSpPr>
         <p:spPr>
           <a:xfrm>
-            <a:off x="3104950" y="2904338"/>
+            <a:off x="3104950" y="2631962"/>
             <a:ext cx="1371599" cy="723013"/>
           </a:xfrm>
           <a:prstGeom prst="snip1Rect">
@@ -5087,10 +5126,7 @@
             </a:avLst>
           </a:prstGeom>
           <a:solidFill>
-            <a:schemeClr val="accent4">
-              <a:lumMod val="40000"/>
-              <a:lumOff val="60000"/>
-            </a:schemeClr>
+            <a:srgbClr val="D9D9D9"/>
           </a:solidFill>
           <a:ln>
             <a:noFill/>
@@ -5142,7 +5178,7 @@
         </p:nvSpPr>
         <p:spPr>
           <a:xfrm>
-            <a:off x="3104950" y="4164383"/>
+            <a:off x="3104949" y="3836987"/>
             <a:ext cx="1371599" cy="723013"/>
           </a:xfrm>
           <a:prstGeom prst="snip1Rect">
@@ -5151,9 +5187,7 @@
             </a:avLst>
           </a:prstGeom>
           <a:solidFill>
-            <a:schemeClr val="bg1">
-              <a:lumMod val="85000"/>
-            </a:schemeClr>
+            <a:srgbClr val="FFE699"/>
           </a:solidFill>
           <a:ln>
             <a:noFill/>
@@ -5187,133 +5221,6 @@
                 </a:solidFill>
               </a:rPr>
               <a:t>筛选活动</a:t>
-            </a:r>
-          </a:p>
-        </p:txBody>
-      </p:sp>
-      <p:sp>
-        <p:nvSpPr>
-          <p:cNvPr id="17" name="矩形: 剪去单角 16">
-            <a:extLst>
-              <a:ext uri="{FF2B5EF4-FFF2-40B4-BE49-F238E27FC236}">
-                <a16:creationId xmlns:a16="http://schemas.microsoft.com/office/drawing/2014/main" id="{CF2A7B2E-7391-4170-9008-4CD90E00E10D}"/>
-              </a:ext>
-            </a:extLst>
-          </p:cNvPr>
-          <p:cNvSpPr/>
-          <p:nvPr/>
-        </p:nvSpPr>
-        <p:spPr>
-          <a:xfrm>
-            <a:off x="6590658" y="2923071"/>
-            <a:ext cx="1371599" cy="723013"/>
-          </a:xfrm>
-          <a:prstGeom prst="snip1Rect">
-            <a:avLst>
-              <a:gd name="adj" fmla="val 17966"/>
-            </a:avLst>
-          </a:prstGeom>
-          <a:solidFill>
-            <a:schemeClr val="accent4">
-              <a:lumMod val="40000"/>
-              <a:lumOff val="60000"/>
-            </a:schemeClr>
-          </a:solidFill>
-          <a:ln>
-            <a:noFill/>
-          </a:ln>
-        </p:spPr>
-        <p:style>
-          <a:lnRef idx="2">
-            <a:schemeClr val="accent1">
-              <a:shade val="50000"/>
-            </a:schemeClr>
-          </a:lnRef>
-          <a:fillRef idx="1">
-            <a:schemeClr val="accent1"/>
-          </a:fillRef>
-          <a:effectRef idx="0">
-            <a:schemeClr val="accent1"/>
-          </a:effectRef>
-          <a:fontRef idx="minor">
-            <a:schemeClr val="lt1"/>
-          </a:fontRef>
-        </p:style>
-        <p:txBody>
-          <a:bodyPr rtlCol="0" anchor="ctr"/>
-          <a:lstStyle/>
-          <a:p>
-            <a:pPr algn="ctr"/>
-            <a:r>
-              <a:rPr lang="zh-CN" altLang="en-US" sz="2000" dirty="0">
-                <a:solidFill>
-                  <a:sysClr val="windowText" lastClr="000000"/>
-                </a:solidFill>
-              </a:rPr>
-              <a:t>匿名聊天</a:t>
-            </a:r>
-          </a:p>
-        </p:txBody>
-      </p:sp>
-      <p:sp>
-        <p:nvSpPr>
-          <p:cNvPr id="18" name="矩形: 剪去单角 17">
-            <a:extLst>
-              <a:ext uri="{FF2B5EF4-FFF2-40B4-BE49-F238E27FC236}">
-                <a16:creationId xmlns:a16="http://schemas.microsoft.com/office/drawing/2014/main" id="{94163442-D2EB-45D9-9E51-348E135C79C8}"/>
-              </a:ext>
-            </a:extLst>
-          </p:cNvPr>
-          <p:cNvSpPr/>
-          <p:nvPr/>
-        </p:nvSpPr>
-        <p:spPr>
-          <a:xfrm>
-            <a:off x="6590658" y="4174858"/>
-            <a:ext cx="1371599" cy="723013"/>
-          </a:xfrm>
-          <a:prstGeom prst="snip1Rect">
-            <a:avLst>
-              <a:gd name="adj" fmla="val 17966"/>
-            </a:avLst>
-          </a:prstGeom>
-          <a:solidFill>
-            <a:schemeClr val="bg1">
-              <a:lumMod val="85000"/>
-            </a:schemeClr>
-          </a:solidFill>
-          <a:ln>
-            <a:noFill/>
-          </a:ln>
-        </p:spPr>
-        <p:style>
-          <a:lnRef idx="2">
-            <a:schemeClr val="accent1">
-              <a:shade val="50000"/>
-            </a:schemeClr>
-          </a:lnRef>
-          <a:fillRef idx="1">
-            <a:schemeClr val="accent1"/>
-          </a:fillRef>
-          <a:effectRef idx="0">
-            <a:schemeClr val="accent1"/>
-          </a:effectRef>
-          <a:fontRef idx="minor">
-            <a:schemeClr val="lt1"/>
-          </a:fontRef>
-        </p:style>
-        <p:txBody>
-          <a:bodyPr rtlCol="0" anchor="ctr"/>
-          <a:lstStyle/>
-          <a:p>
-            <a:pPr algn="ctr"/>
-            <a:r>
-              <a:rPr lang="zh-CN" altLang="en-US" sz="2000" dirty="0">
-                <a:solidFill>
-                  <a:sysClr val="windowText" lastClr="000000"/>
-                </a:solidFill>
-              </a:rPr>
-              <a:t>双向取匿</a:t>
             </a:r>
           </a:p>
         </p:txBody>
@@ -5332,7 +5239,7 @@
         </p:nvSpPr>
         <p:spPr>
           <a:xfrm>
-            <a:off x="4876769" y="4164381"/>
+            <a:off x="4908987" y="2662775"/>
             <a:ext cx="1371599" cy="723013"/>
           </a:xfrm>
           <a:prstGeom prst="snip1Rect">
@@ -5377,70 +5284,6 @@
                 </a:solidFill>
               </a:rPr>
               <a:t>查看详情</a:t>
-            </a:r>
-          </a:p>
-        </p:txBody>
-      </p:sp>
-      <p:sp>
-        <p:nvSpPr>
-          <p:cNvPr id="20" name="矩形: 剪去单角 19">
-            <a:extLst>
-              <a:ext uri="{FF2B5EF4-FFF2-40B4-BE49-F238E27FC236}">
-                <a16:creationId xmlns:a16="http://schemas.microsoft.com/office/drawing/2014/main" id="{EED47FEB-995C-479C-9EDC-8199332AC8D8}"/>
-              </a:ext>
-            </a:extLst>
-          </p:cNvPr>
-          <p:cNvSpPr/>
-          <p:nvPr/>
-        </p:nvSpPr>
-        <p:spPr>
-          <a:xfrm>
-            <a:off x="10076366" y="2940460"/>
-            <a:ext cx="1371599" cy="723013"/>
-          </a:xfrm>
-          <a:prstGeom prst="snip1Rect">
-            <a:avLst>
-              <a:gd name="adj" fmla="val 17966"/>
-            </a:avLst>
-          </a:prstGeom>
-          <a:solidFill>
-            <a:schemeClr val="accent4">
-              <a:lumMod val="40000"/>
-              <a:lumOff val="60000"/>
-            </a:schemeClr>
-          </a:solidFill>
-          <a:ln>
-            <a:noFill/>
-          </a:ln>
-        </p:spPr>
-        <p:style>
-          <a:lnRef idx="2">
-            <a:schemeClr val="accent1">
-              <a:shade val="50000"/>
-            </a:schemeClr>
-          </a:lnRef>
-          <a:fillRef idx="1">
-            <a:schemeClr val="accent1"/>
-          </a:fillRef>
-          <a:effectRef idx="0">
-            <a:schemeClr val="accent1"/>
-          </a:effectRef>
-          <a:fontRef idx="minor">
-            <a:schemeClr val="lt1"/>
-          </a:fontRef>
-        </p:style>
-        <p:txBody>
-          <a:bodyPr rtlCol="0" anchor="ctr"/>
-          <a:lstStyle/>
-          <a:p>
-            <a:pPr algn="ctr"/>
-            <a:r>
-              <a:rPr lang="zh-CN" altLang="en-US" sz="2000" dirty="0">
-                <a:solidFill>
-                  <a:sysClr val="windowText" lastClr="000000"/>
-                </a:solidFill>
-              </a:rPr>
-              <a:t>双向确认</a:t>
             </a:r>
           </a:p>
         </p:txBody>
@@ -5459,7 +5302,7 @@
         </p:nvSpPr>
         <p:spPr>
           <a:xfrm>
-            <a:off x="12193130" y="2904344"/>
+            <a:off x="12193130" y="2631968"/>
             <a:ext cx="1371599" cy="723013"/>
           </a:xfrm>
           <a:prstGeom prst="snip1Rect">
@@ -5468,10 +5311,7 @@
             </a:avLst>
           </a:prstGeom>
           <a:solidFill>
-            <a:schemeClr val="accent4">
-              <a:lumMod val="40000"/>
-              <a:lumOff val="60000"/>
-            </a:schemeClr>
+            <a:srgbClr val="D9D9D9"/>
           </a:solidFill>
           <a:ln>
             <a:noFill/>
@@ -5523,7 +5363,7 @@
         </p:nvSpPr>
         <p:spPr>
           <a:xfrm>
-            <a:off x="14332933" y="5317969"/>
+            <a:off x="14332934" y="6308707"/>
             <a:ext cx="1371599" cy="723013"/>
           </a:xfrm>
           <a:prstGeom prst="snip1Rect">
@@ -5584,7 +5424,7 @@
         </p:nvSpPr>
         <p:spPr>
           <a:xfrm>
-            <a:off x="16110932" y="5317969"/>
+            <a:off x="16110933" y="6308707"/>
             <a:ext cx="1371599" cy="723013"/>
           </a:xfrm>
           <a:prstGeom prst="snip1Rect">
@@ -5627,67 +5467,6 @@
                 </a:solidFill>
               </a:rPr>
               <a:t>查看信用</a:t>
-            </a:r>
-          </a:p>
-        </p:txBody>
-      </p:sp>
-      <p:sp>
-        <p:nvSpPr>
-          <p:cNvPr id="25" name="矩形: 剪去单角 24">
-            <a:extLst>
-              <a:ext uri="{FF2B5EF4-FFF2-40B4-BE49-F238E27FC236}">
-                <a16:creationId xmlns:a16="http://schemas.microsoft.com/office/drawing/2014/main" id="{28B6FC3D-806C-43FF-8D14-166B84826BB4}"/>
-              </a:ext>
-            </a:extLst>
-          </p:cNvPr>
-          <p:cNvSpPr/>
-          <p:nvPr/>
-        </p:nvSpPr>
-        <p:spPr>
-          <a:xfrm>
-            <a:off x="14332933" y="6355741"/>
-            <a:ext cx="1371599" cy="723013"/>
-          </a:xfrm>
-          <a:prstGeom prst="snip1Rect">
-            <a:avLst>
-              <a:gd name="adj" fmla="val 17966"/>
-            </a:avLst>
-          </a:prstGeom>
-          <a:solidFill>
-            <a:srgbClr val="F27E9A"/>
-          </a:solidFill>
-          <a:ln>
-            <a:noFill/>
-          </a:ln>
-        </p:spPr>
-        <p:style>
-          <a:lnRef idx="2">
-            <a:schemeClr val="accent1">
-              <a:shade val="50000"/>
-            </a:schemeClr>
-          </a:lnRef>
-          <a:fillRef idx="1">
-            <a:schemeClr val="accent1"/>
-          </a:fillRef>
-          <a:effectRef idx="0">
-            <a:schemeClr val="accent1"/>
-          </a:effectRef>
-          <a:fontRef idx="minor">
-            <a:schemeClr val="lt1"/>
-          </a:fontRef>
-        </p:style>
-        <p:txBody>
-          <a:bodyPr rtlCol="0" anchor="ctr"/>
-          <a:lstStyle/>
-          <a:p>
-            <a:pPr algn="ctr"/>
-            <a:r>
-              <a:rPr lang="zh-CN" altLang="en-US" sz="2000" dirty="0">
-                <a:solidFill>
-                  <a:sysClr val="windowText" lastClr="000000"/>
-                </a:solidFill>
-              </a:rPr>
-              <a:t>变更形象</a:t>
             </a:r>
           </a:p>
         </p:txBody>
@@ -5706,7 +5485,7 @@
         </p:nvSpPr>
         <p:spPr>
           <a:xfrm>
-            <a:off x="16110932" y="6355741"/>
+            <a:off x="14332934" y="7353307"/>
             <a:ext cx="1371599" cy="723013"/>
           </a:xfrm>
           <a:prstGeom prst="snip1Rect">
@@ -5767,7 +5546,7 @@
         </p:nvSpPr>
         <p:spPr>
           <a:xfrm>
-            <a:off x="14309896" y="2904341"/>
+            <a:off x="14332934" y="5066808"/>
             <a:ext cx="1371599" cy="723013"/>
           </a:xfrm>
           <a:prstGeom prst="snip1Rect">
@@ -5776,9 +5555,9 @@
             </a:avLst>
           </a:prstGeom>
           <a:solidFill>
-            <a:schemeClr val="accent4">
-              <a:lumMod val="40000"/>
-              <a:lumOff val="60000"/>
+            <a:schemeClr val="accent2">
+              <a:lumMod val="60000"/>
+              <a:lumOff val="40000"/>
             </a:schemeClr>
           </a:solidFill>
           <a:ln>
@@ -5866,7 +5645,7 @@
         </p:nvSpPr>
         <p:spPr>
           <a:xfrm>
-            <a:off x="3104949" y="5320076"/>
+            <a:off x="3109530" y="6018378"/>
             <a:ext cx="1371599" cy="723013"/>
           </a:xfrm>
           <a:prstGeom prst="snip1Rect">
@@ -5909,69 +5688,6 @@
                 </a:solidFill>
               </a:rPr>
               <a:t>搜索活动</a:t>
-            </a:r>
-          </a:p>
-        </p:txBody>
-      </p:sp>
-      <p:sp>
-        <p:nvSpPr>
-          <p:cNvPr id="31" name="矩形: 剪去单角 30">
-            <a:extLst>
-              <a:ext uri="{FF2B5EF4-FFF2-40B4-BE49-F238E27FC236}">
-                <a16:creationId xmlns:a16="http://schemas.microsoft.com/office/drawing/2014/main" id="{A028268A-D246-4A0F-BFEB-1056D355EDAE}"/>
-              </a:ext>
-            </a:extLst>
-          </p:cNvPr>
-          <p:cNvSpPr/>
-          <p:nvPr/>
-        </p:nvSpPr>
-        <p:spPr>
-          <a:xfrm>
-            <a:off x="8362477" y="4174857"/>
-            <a:ext cx="1371599" cy="723013"/>
-          </a:xfrm>
-          <a:prstGeom prst="snip1Rect">
-            <a:avLst>
-              <a:gd name="adj" fmla="val 17966"/>
-            </a:avLst>
-          </a:prstGeom>
-          <a:solidFill>
-            <a:schemeClr val="bg1">
-              <a:lumMod val="85000"/>
-            </a:schemeClr>
-          </a:solidFill>
-          <a:ln>
-            <a:noFill/>
-          </a:ln>
-        </p:spPr>
-        <p:style>
-          <a:lnRef idx="2">
-            <a:schemeClr val="accent1">
-              <a:shade val="50000"/>
-            </a:schemeClr>
-          </a:lnRef>
-          <a:fillRef idx="1">
-            <a:schemeClr val="accent1"/>
-          </a:fillRef>
-          <a:effectRef idx="0">
-            <a:schemeClr val="accent1"/>
-          </a:effectRef>
-          <a:fontRef idx="minor">
-            <a:schemeClr val="lt1"/>
-          </a:fontRef>
-        </p:style>
-        <p:txBody>
-          <a:bodyPr rtlCol="0" anchor="ctr"/>
-          <a:lstStyle/>
-          <a:p>
-            <a:pPr algn="ctr"/>
-            <a:r>
-              <a:rPr lang="zh-CN" altLang="en-US" sz="2000" dirty="0">
-                <a:solidFill>
-                  <a:sysClr val="windowText" lastClr="000000"/>
-                </a:solidFill>
-              </a:rPr>
-              <a:t>单向取匿</a:t>
             </a:r>
           </a:p>
         </p:txBody>
@@ -5990,7 +5706,7 @@
         </p:nvSpPr>
         <p:spPr>
           <a:xfrm>
-            <a:off x="10076366" y="5317968"/>
+            <a:off x="10076367" y="6308706"/>
             <a:ext cx="1371599" cy="723013"/>
           </a:xfrm>
           <a:prstGeom prst="snip1Rect">
@@ -6051,7 +5767,7 @@
         </p:nvSpPr>
         <p:spPr>
           <a:xfrm>
-            <a:off x="10076365" y="4205811"/>
+            <a:off x="10076366" y="7353307"/>
             <a:ext cx="1371599" cy="723013"/>
           </a:xfrm>
           <a:prstGeom prst="snip1Rect">
@@ -6060,9 +5776,7 @@
             </a:avLst>
           </a:prstGeom>
           <a:solidFill>
-            <a:schemeClr val="bg1">
-              <a:lumMod val="85000"/>
-            </a:schemeClr>
+            <a:srgbClr val="F27E9A"/>
           </a:solidFill>
           <a:ln>
             <a:noFill/>
@@ -6100,6 +5814,377 @@
           </a:p>
         </p:txBody>
       </p:sp>
+      <p:sp>
+        <p:nvSpPr>
+          <p:cNvPr id="27" name="矩形: 剪去单角 26">
+            <a:extLst>
+              <a:ext uri="{FF2B5EF4-FFF2-40B4-BE49-F238E27FC236}">
+                <a16:creationId xmlns:a16="http://schemas.microsoft.com/office/drawing/2014/main" id="{48BF8E15-52C3-41BA-8515-297D53408CBE}"/>
+              </a:ext>
+            </a:extLst>
+          </p:cNvPr>
+          <p:cNvSpPr/>
+          <p:nvPr/>
+        </p:nvSpPr>
+        <p:spPr>
+          <a:xfrm>
+            <a:off x="6627717" y="3776650"/>
+            <a:ext cx="1371599" cy="723013"/>
+          </a:xfrm>
+          <a:prstGeom prst="snip1Rect">
+            <a:avLst>
+              <a:gd name="adj" fmla="val 17966"/>
+            </a:avLst>
+          </a:prstGeom>
+          <a:solidFill>
+            <a:srgbClr val="FFE699"/>
+          </a:solidFill>
+          <a:ln>
+            <a:noFill/>
+          </a:ln>
+        </p:spPr>
+        <p:style>
+          <a:lnRef idx="2">
+            <a:schemeClr val="accent1">
+              <a:shade val="50000"/>
+            </a:schemeClr>
+          </a:lnRef>
+          <a:fillRef idx="1">
+            <a:schemeClr val="accent1"/>
+          </a:fillRef>
+          <a:effectRef idx="0">
+            <a:schemeClr val="accent1"/>
+          </a:effectRef>
+          <a:fontRef idx="minor">
+            <a:schemeClr val="lt1"/>
+          </a:fontRef>
+        </p:style>
+        <p:txBody>
+          <a:bodyPr rtlCol="0" anchor="ctr"/>
+          <a:lstStyle/>
+          <a:p>
+            <a:pPr algn="ctr"/>
+            <a:r>
+              <a:rPr lang="zh-CN" altLang="en-US" sz="2000" dirty="0">
+                <a:solidFill>
+                  <a:sysClr val="windowText" lastClr="000000"/>
+                </a:solidFill>
+              </a:rPr>
+              <a:t>聊天</a:t>
+            </a:r>
+          </a:p>
+        </p:txBody>
+      </p:sp>
+      <p:sp>
+        <p:nvSpPr>
+          <p:cNvPr id="30" name="矩形: 剪去单角 29">
+            <a:extLst>
+              <a:ext uri="{FF2B5EF4-FFF2-40B4-BE49-F238E27FC236}">
+                <a16:creationId xmlns:a16="http://schemas.microsoft.com/office/drawing/2014/main" id="{057DD586-DEC0-4AE2-A3BD-659174ED2AA8}"/>
+              </a:ext>
+            </a:extLst>
+          </p:cNvPr>
+          <p:cNvSpPr/>
+          <p:nvPr/>
+        </p:nvSpPr>
+        <p:spPr>
+          <a:xfrm>
+            <a:off x="6627717" y="4871462"/>
+            <a:ext cx="1371599" cy="723013"/>
+          </a:xfrm>
+          <a:prstGeom prst="snip1Rect">
+            <a:avLst>
+              <a:gd name="adj" fmla="val 17966"/>
+            </a:avLst>
+          </a:prstGeom>
+          <a:solidFill>
+            <a:schemeClr val="accent2">
+              <a:lumMod val="60000"/>
+              <a:lumOff val="40000"/>
+            </a:schemeClr>
+          </a:solidFill>
+          <a:ln>
+            <a:noFill/>
+          </a:ln>
+        </p:spPr>
+        <p:style>
+          <a:lnRef idx="2">
+            <a:schemeClr val="accent1">
+              <a:shade val="50000"/>
+            </a:schemeClr>
+          </a:lnRef>
+          <a:fillRef idx="1">
+            <a:schemeClr val="accent1"/>
+          </a:fillRef>
+          <a:effectRef idx="0">
+            <a:schemeClr val="accent1"/>
+          </a:effectRef>
+          <a:fontRef idx="minor">
+            <a:schemeClr val="lt1"/>
+          </a:fontRef>
+        </p:style>
+        <p:txBody>
+          <a:bodyPr rtlCol="0" anchor="ctr"/>
+          <a:lstStyle/>
+          <a:p>
+            <a:pPr algn="ctr"/>
+            <a:r>
+              <a:rPr lang="zh-CN" altLang="en-US" sz="2000" dirty="0">
+                <a:solidFill>
+                  <a:sysClr val="windowText" lastClr="000000"/>
+                </a:solidFill>
+              </a:rPr>
+              <a:t>匿名</a:t>
+            </a:r>
+            <a:endParaRPr lang="en-US" altLang="zh-CN" sz="2000" dirty="0">
+              <a:solidFill>
+                <a:sysClr val="windowText" lastClr="000000"/>
+              </a:solidFill>
+            </a:endParaRPr>
+          </a:p>
+          <a:p>
+            <a:pPr algn="ctr"/>
+            <a:r>
+              <a:rPr lang="en-US" altLang="zh-CN" sz="2000" dirty="0">
+                <a:solidFill>
+                  <a:sysClr val="windowText" lastClr="000000"/>
+                </a:solidFill>
+              </a:rPr>
+              <a:t>&amp;</a:t>
+            </a:r>
+            <a:r>
+              <a:rPr lang="zh-CN" altLang="en-US" sz="2000" dirty="0">
+                <a:solidFill>
+                  <a:sysClr val="windowText" lastClr="000000"/>
+                </a:solidFill>
+              </a:rPr>
+              <a:t>取匿</a:t>
+            </a:r>
+          </a:p>
+        </p:txBody>
+      </p:sp>
+      <p:sp>
+        <p:nvSpPr>
+          <p:cNvPr id="32" name="矩形: 剪去单角 31">
+            <a:extLst>
+              <a:ext uri="{FF2B5EF4-FFF2-40B4-BE49-F238E27FC236}">
+                <a16:creationId xmlns:a16="http://schemas.microsoft.com/office/drawing/2014/main" id="{72363760-6865-4F5C-A7A3-3F8F48D5BE1E}"/>
+              </a:ext>
+            </a:extLst>
+          </p:cNvPr>
+          <p:cNvSpPr/>
+          <p:nvPr/>
+        </p:nvSpPr>
+        <p:spPr>
+          <a:xfrm>
+            <a:off x="10076366" y="2668084"/>
+            <a:ext cx="1371599" cy="723013"/>
+          </a:xfrm>
+          <a:prstGeom prst="snip1Rect">
+            <a:avLst>
+              <a:gd name="adj" fmla="val 17966"/>
+            </a:avLst>
+          </a:prstGeom>
+          <a:solidFill>
+            <a:srgbClr val="D9D9D9"/>
+          </a:solidFill>
+          <a:ln>
+            <a:noFill/>
+          </a:ln>
+        </p:spPr>
+        <p:style>
+          <a:lnRef idx="2">
+            <a:schemeClr val="accent1">
+              <a:shade val="50000"/>
+            </a:schemeClr>
+          </a:lnRef>
+          <a:fillRef idx="1">
+            <a:schemeClr val="accent1"/>
+          </a:fillRef>
+          <a:effectRef idx="0">
+            <a:schemeClr val="accent1"/>
+          </a:effectRef>
+          <a:fontRef idx="minor">
+            <a:schemeClr val="lt1"/>
+          </a:fontRef>
+        </p:style>
+        <p:txBody>
+          <a:bodyPr rtlCol="0" anchor="ctr"/>
+          <a:lstStyle/>
+          <a:p>
+            <a:pPr algn="ctr"/>
+            <a:r>
+              <a:rPr lang="zh-CN" altLang="en-US" sz="2000" dirty="0">
+                <a:solidFill>
+                  <a:sysClr val="windowText" lastClr="000000"/>
+                </a:solidFill>
+              </a:rPr>
+              <a:t>被动确认</a:t>
+            </a:r>
+          </a:p>
+        </p:txBody>
+      </p:sp>
+      <p:sp>
+        <p:nvSpPr>
+          <p:cNvPr id="34" name="矩形: 剪去单角 33">
+            <a:extLst>
+              <a:ext uri="{FF2B5EF4-FFF2-40B4-BE49-F238E27FC236}">
+                <a16:creationId xmlns:a16="http://schemas.microsoft.com/office/drawing/2014/main" id="{27951375-C992-4CE9-BA41-33EC192D58B6}"/>
+              </a:ext>
+            </a:extLst>
+          </p:cNvPr>
+          <p:cNvSpPr/>
+          <p:nvPr/>
+        </p:nvSpPr>
+        <p:spPr>
+          <a:xfrm>
+            <a:off x="10076366" y="3909226"/>
+            <a:ext cx="1371599" cy="723013"/>
+          </a:xfrm>
+          <a:prstGeom prst="snip1Rect">
+            <a:avLst>
+              <a:gd name="adj" fmla="val 17966"/>
+            </a:avLst>
+          </a:prstGeom>
+          <a:solidFill>
+            <a:srgbClr val="FFE699"/>
+          </a:solidFill>
+          <a:ln>
+            <a:noFill/>
+          </a:ln>
+        </p:spPr>
+        <p:style>
+          <a:lnRef idx="2">
+            <a:schemeClr val="accent1">
+              <a:shade val="50000"/>
+            </a:schemeClr>
+          </a:lnRef>
+          <a:fillRef idx="1">
+            <a:schemeClr val="accent1"/>
+          </a:fillRef>
+          <a:effectRef idx="0">
+            <a:schemeClr val="accent1"/>
+          </a:effectRef>
+          <a:fontRef idx="minor">
+            <a:schemeClr val="lt1"/>
+          </a:fontRef>
+        </p:style>
+        <p:txBody>
+          <a:bodyPr rtlCol="0" anchor="ctr"/>
+          <a:lstStyle/>
+          <a:p>
+            <a:pPr algn="ctr"/>
+            <a:r>
+              <a:rPr lang="zh-CN" altLang="en-US" sz="2000" dirty="0">
+                <a:solidFill>
+                  <a:sysClr val="windowText" lastClr="000000"/>
+                </a:solidFill>
+              </a:rPr>
+              <a:t>双向确认</a:t>
+            </a:r>
+          </a:p>
+        </p:txBody>
+      </p:sp>
+      <p:sp>
+        <p:nvSpPr>
+          <p:cNvPr id="38" name="矩形: 剪去单角 37">
+            <a:extLst>
+              <a:ext uri="{FF2B5EF4-FFF2-40B4-BE49-F238E27FC236}">
+                <a16:creationId xmlns:a16="http://schemas.microsoft.com/office/drawing/2014/main" id="{B2F311C8-2789-41BA-BCAA-D26A6A74060C}"/>
+              </a:ext>
+            </a:extLst>
+          </p:cNvPr>
+          <p:cNvSpPr/>
+          <p:nvPr/>
+        </p:nvSpPr>
+        <p:spPr>
+          <a:xfrm>
+            <a:off x="6653169" y="2662775"/>
+            <a:ext cx="1371599" cy="723013"/>
+          </a:xfrm>
+          <a:prstGeom prst="snip1Rect">
+            <a:avLst>
+              <a:gd name="adj" fmla="val 17966"/>
+            </a:avLst>
+          </a:prstGeom>
+          <a:solidFill>
+            <a:srgbClr val="D9D9D9"/>
+          </a:solidFill>
+          <a:ln>
+            <a:noFill/>
+          </a:ln>
+        </p:spPr>
+        <p:style>
+          <a:lnRef idx="2">
+            <a:schemeClr val="accent1">
+              <a:shade val="50000"/>
+            </a:schemeClr>
+          </a:lnRef>
+          <a:fillRef idx="1">
+            <a:schemeClr val="accent1"/>
+          </a:fillRef>
+          <a:effectRef idx="0">
+            <a:schemeClr val="accent1"/>
+          </a:effectRef>
+          <a:fontRef idx="minor">
+            <a:schemeClr val="lt1"/>
+          </a:fontRef>
+        </p:style>
+        <p:txBody>
+          <a:bodyPr rtlCol="0" anchor="ctr"/>
+          <a:lstStyle/>
+          <a:p>
+            <a:pPr algn="ctr"/>
+            <a:r>
+              <a:rPr lang="zh-CN" altLang="en-US" sz="2000" dirty="0">
+                <a:solidFill>
+                  <a:sysClr val="windowText" lastClr="000000"/>
+                </a:solidFill>
+              </a:rPr>
+              <a:t>直接报名</a:t>
+            </a:r>
+          </a:p>
+        </p:txBody>
+      </p:sp>
+      <p:cxnSp>
+        <p:nvCxnSpPr>
+          <p:cNvPr id="4" name="直接连接符 3">
+            <a:extLst>
+              <a:ext uri="{FF2B5EF4-FFF2-40B4-BE49-F238E27FC236}">
+                <a16:creationId xmlns:a16="http://schemas.microsoft.com/office/drawing/2014/main" id="{AC61B574-7F29-430B-B407-9AD9EE0DCE79}"/>
+              </a:ext>
+            </a:extLst>
+          </p:cNvPr>
+          <p:cNvCxnSpPr/>
+          <p:nvPr/>
+        </p:nvCxnSpPr>
+        <p:spPr>
+          <a:xfrm>
+            <a:off x="700391" y="2393004"/>
+            <a:ext cx="16634298" cy="0"/>
+          </a:xfrm>
+          <a:prstGeom prst="line">
+            <a:avLst/>
+          </a:prstGeom>
+          <a:ln w="19050">
+            <a:prstDash val="lgDash"/>
+          </a:ln>
+        </p:spPr>
+        <p:style>
+          <a:lnRef idx="1">
+            <a:schemeClr val="accent1"/>
+          </a:lnRef>
+          <a:fillRef idx="0">
+            <a:schemeClr val="accent1"/>
+          </a:fillRef>
+          <a:effectRef idx="0">
+            <a:schemeClr val="accent1"/>
+          </a:effectRef>
+          <a:fontRef idx="minor">
+            <a:schemeClr val="tx1"/>
+          </a:fontRef>
+        </p:style>
+      </p:cxnSp>
     </p:spTree>
     <p:extLst>
       <p:ext uri="{BB962C8B-B14F-4D97-AF65-F5344CB8AC3E}">
@@ -6132,1079 +6217,6 @@
       </p:grpSpPr>
       <p:sp>
         <p:nvSpPr>
-          <p:cNvPr id="5" name="矩形: 剪去单角 4">
-            <a:extLst>
-              <a:ext uri="{FF2B5EF4-FFF2-40B4-BE49-F238E27FC236}">
-                <a16:creationId xmlns:a16="http://schemas.microsoft.com/office/drawing/2014/main" id="{C618B072-DE2E-4F3E-ADBF-B5FFED98B432}"/>
-              </a:ext>
-            </a:extLst>
-          </p:cNvPr>
-          <p:cNvSpPr/>
-          <p:nvPr/>
-        </p:nvSpPr>
-        <p:spPr>
-          <a:xfrm>
-            <a:off x="3107145" y="1777137"/>
-            <a:ext cx="1371599" cy="723013"/>
-          </a:xfrm>
-          <a:prstGeom prst="snip1Rect">
-            <a:avLst>
-              <a:gd name="adj" fmla="val 17966"/>
-            </a:avLst>
-          </a:prstGeom>
-          <a:solidFill>
-            <a:schemeClr val="accent1">
-              <a:lumMod val="60000"/>
-              <a:lumOff val="40000"/>
-            </a:schemeClr>
-          </a:solidFill>
-          <a:ln>
-            <a:noFill/>
-          </a:ln>
-        </p:spPr>
-        <p:style>
-          <a:lnRef idx="2">
-            <a:schemeClr val="accent1">
-              <a:shade val="50000"/>
-            </a:schemeClr>
-          </a:lnRef>
-          <a:fillRef idx="1">
-            <a:schemeClr val="accent1"/>
-          </a:fillRef>
-          <a:effectRef idx="0">
-            <a:schemeClr val="accent1"/>
-          </a:effectRef>
-          <a:fontRef idx="minor">
-            <a:schemeClr val="lt1"/>
-          </a:fontRef>
-        </p:style>
-        <p:txBody>
-          <a:bodyPr rtlCol="0" anchor="ctr"/>
-          <a:lstStyle/>
-          <a:p>
-            <a:pPr algn="ctr"/>
-            <a:r>
-              <a:rPr lang="zh-CN" altLang="en-US" sz="2000" dirty="0">
-                <a:solidFill>
-                  <a:sysClr val="windowText" lastClr="000000"/>
-                </a:solidFill>
-              </a:rPr>
-              <a:t>身份</a:t>
-            </a:r>
-          </a:p>
-        </p:txBody>
-      </p:sp>
-      <p:sp>
-        <p:nvSpPr>
-          <p:cNvPr id="6" name="矩形: 剪去单角 5">
-            <a:extLst>
-              <a:ext uri="{FF2B5EF4-FFF2-40B4-BE49-F238E27FC236}">
-                <a16:creationId xmlns:a16="http://schemas.microsoft.com/office/drawing/2014/main" id="{477B45E9-D0CB-4A36-AD42-E133E05F718F}"/>
-              </a:ext>
-            </a:extLst>
-          </p:cNvPr>
-          <p:cNvSpPr/>
-          <p:nvPr/>
-        </p:nvSpPr>
-        <p:spPr>
-          <a:xfrm>
-            <a:off x="4855928" y="1777134"/>
-            <a:ext cx="1371599" cy="723013"/>
-          </a:xfrm>
-          <a:prstGeom prst="snip1Rect">
-            <a:avLst>
-              <a:gd name="adj" fmla="val 17966"/>
-            </a:avLst>
-          </a:prstGeom>
-          <a:solidFill>
-            <a:schemeClr val="accent1">
-              <a:lumMod val="60000"/>
-              <a:lumOff val="40000"/>
-            </a:schemeClr>
-          </a:solidFill>
-          <a:ln>
-            <a:noFill/>
-          </a:ln>
-        </p:spPr>
-        <p:style>
-          <a:lnRef idx="2">
-            <a:schemeClr val="accent1">
-              <a:shade val="50000"/>
-            </a:schemeClr>
-          </a:lnRef>
-          <a:fillRef idx="1">
-            <a:schemeClr val="accent1"/>
-          </a:fillRef>
-          <a:effectRef idx="0">
-            <a:schemeClr val="accent1"/>
-          </a:effectRef>
-          <a:fontRef idx="minor">
-            <a:schemeClr val="lt1"/>
-          </a:fontRef>
-        </p:style>
-        <p:txBody>
-          <a:bodyPr rtlCol="0" anchor="ctr"/>
-          <a:lstStyle/>
-          <a:p>
-            <a:pPr algn="ctr"/>
-            <a:r>
-              <a:rPr lang="zh-CN" altLang="en-US" sz="2000" dirty="0">
-                <a:solidFill>
-                  <a:sysClr val="windowText" lastClr="000000"/>
-                </a:solidFill>
-              </a:rPr>
-              <a:t>浏览</a:t>
-            </a:r>
-          </a:p>
-        </p:txBody>
-      </p:sp>
-      <p:sp>
-        <p:nvSpPr>
-          <p:cNvPr id="7" name="矩形: 剪去单角 6">
-            <a:extLst>
-              <a:ext uri="{FF2B5EF4-FFF2-40B4-BE49-F238E27FC236}">
-                <a16:creationId xmlns:a16="http://schemas.microsoft.com/office/drawing/2014/main" id="{752A8932-9CCE-4AEB-9976-B296C950812A}"/>
-              </a:ext>
-            </a:extLst>
-          </p:cNvPr>
-          <p:cNvSpPr/>
-          <p:nvPr/>
-        </p:nvSpPr>
-        <p:spPr>
-          <a:xfrm>
-            <a:off x="6882487" y="1777134"/>
-            <a:ext cx="1371599" cy="723013"/>
-          </a:xfrm>
-          <a:prstGeom prst="snip1Rect">
-            <a:avLst>
-              <a:gd name="adj" fmla="val 17966"/>
-            </a:avLst>
-          </a:prstGeom>
-          <a:solidFill>
-            <a:schemeClr val="accent1">
-              <a:lumMod val="60000"/>
-              <a:lumOff val="40000"/>
-            </a:schemeClr>
-          </a:solidFill>
-          <a:ln>
-            <a:noFill/>
-          </a:ln>
-        </p:spPr>
-        <p:style>
-          <a:lnRef idx="2">
-            <a:schemeClr val="accent1">
-              <a:shade val="50000"/>
-            </a:schemeClr>
-          </a:lnRef>
-          <a:fillRef idx="1">
-            <a:schemeClr val="accent1"/>
-          </a:fillRef>
-          <a:effectRef idx="0">
-            <a:schemeClr val="accent1"/>
-          </a:effectRef>
-          <a:fontRef idx="minor">
-            <a:schemeClr val="lt1"/>
-          </a:fontRef>
-        </p:style>
-        <p:txBody>
-          <a:bodyPr rtlCol="0" anchor="ctr"/>
-          <a:lstStyle/>
-          <a:p>
-            <a:pPr algn="ctr"/>
-            <a:r>
-              <a:rPr lang="zh-CN" altLang="en-US" sz="2000" dirty="0">
-                <a:solidFill>
-                  <a:sysClr val="windowText" lastClr="000000"/>
-                </a:solidFill>
-              </a:rPr>
-              <a:t>交流</a:t>
-            </a:r>
-          </a:p>
-        </p:txBody>
-      </p:sp>
-      <p:sp>
-        <p:nvSpPr>
-          <p:cNvPr id="8" name="矩形: 剪去单角 7">
-            <a:extLst>
-              <a:ext uri="{FF2B5EF4-FFF2-40B4-BE49-F238E27FC236}">
-                <a16:creationId xmlns:a16="http://schemas.microsoft.com/office/drawing/2014/main" id="{14491ED6-234E-4FB4-A974-943D25CC69B3}"/>
-              </a:ext>
-            </a:extLst>
-          </p:cNvPr>
-          <p:cNvSpPr/>
-          <p:nvPr/>
-        </p:nvSpPr>
-        <p:spPr>
-          <a:xfrm>
-            <a:off x="8909046" y="1777134"/>
-            <a:ext cx="1371599" cy="723013"/>
-          </a:xfrm>
-          <a:prstGeom prst="snip1Rect">
-            <a:avLst>
-              <a:gd name="adj" fmla="val 17966"/>
-            </a:avLst>
-          </a:prstGeom>
-          <a:solidFill>
-            <a:schemeClr val="accent1">
-              <a:lumMod val="60000"/>
-              <a:lumOff val="40000"/>
-            </a:schemeClr>
-          </a:solidFill>
-          <a:ln>
-            <a:noFill/>
-          </a:ln>
-        </p:spPr>
-        <p:style>
-          <a:lnRef idx="2">
-            <a:schemeClr val="accent1">
-              <a:shade val="50000"/>
-            </a:schemeClr>
-          </a:lnRef>
-          <a:fillRef idx="1">
-            <a:schemeClr val="accent1"/>
-          </a:fillRef>
-          <a:effectRef idx="0">
-            <a:schemeClr val="accent1"/>
-          </a:effectRef>
-          <a:fontRef idx="minor">
-            <a:schemeClr val="lt1"/>
-          </a:fontRef>
-        </p:style>
-        <p:txBody>
-          <a:bodyPr rtlCol="0" anchor="ctr"/>
-          <a:lstStyle/>
-          <a:p>
-            <a:pPr algn="ctr"/>
-            <a:r>
-              <a:rPr lang="zh-CN" altLang="en-US" sz="2000" dirty="0">
-                <a:solidFill>
-                  <a:sysClr val="windowText" lastClr="000000"/>
-                </a:solidFill>
-              </a:rPr>
-              <a:t>确认</a:t>
-            </a:r>
-          </a:p>
-        </p:txBody>
-      </p:sp>
-      <p:sp>
-        <p:nvSpPr>
-          <p:cNvPr id="9" name="矩形: 剪去单角 8">
-            <a:extLst>
-              <a:ext uri="{FF2B5EF4-FFF2-40B4-BE49-F238E27FC236}">
-                <a16:creationId xmlns:a16="http://schemas.microsoft.com/office/drawing/2014/main" id="{F23C4578-3847-4BE0-B49C-E80DF303700F}"/>
-              </a:ext>
-            </a:extLst>
-          </p:cNvPr>
-          <p:cNvSpPr/>
-          <p:nvPr/>
-        </p:nvSpPr>
-        <p:spPr>
-          <a:xfrm>
-            <a:off x="11025810" y="1777134"/>
-            <a:ext cx="1371599" cy="723013"/>
-          </a:xfrm>
-          <a:prstGeom prst="snip1Rect">
-            <a:avLst>
-              <a:gd name="adj" fmla="val 17966"/>
-            </a:avLst>
-          </a:prstGeom>
-          <a:solidFill>
-            <a:schemeClr val="accent1">
-              <a:lumMod val="60000"/>
-              <a:lumOff val="40000"/>
-            </a:schemeClr>
-          </a:solidFill>
-          <a:ln>
-            <a:noFill/>
-          </a:ln>
-        </p:spPr>
-        <p:style>
-          <a:lnRef idx="2">
-            <a:schemeClr val="accent1">
-              <a:shade val="50000"/>
-            </a:schemeClr>
-          </a:lnRef>
-          <a:fillRef idx="1">
-            <a:schemeClr val="accent1"/>
-          </a:fillRef>
-          <a:effectRef idx="0">
-            <a:schemeClr val="accent1"/>
-          </a:effectRef>
-          <a:fontRef idx="minor">
-            <a:schemeClr val="lt1"/>
-          </a:fontRef>
-        </p:style>
-        <p:txBody>
-          <a:bodyPr rtlCol="0" anchor="ctr"/>
-          <a:lstStyle/>
-          <a:p>
-            <a:pPr algn="ctr"/>
-            <a:r>
-              <a:rPr lang="zh-CN" altLang="en-US" sz="2000" dirty="0">
-                <a:solidFill>
-                  <a:sysClr val="windowText" lastClr="000000"/>
-                </a:solidFill>
-              </a:rPr>
-              <a:t>取消</a:t>
-            </a:r>
-          </a:p>
-        </p:txBody>
-      </p:sp>
-      <p:sp>
-        <p:nvSpPr>
-          <p:cNvPr id="10" name="矩形: 剪去单角 9">
-            <a:extLst>
-              <a:ext uri="{FF2B5EF4-FFF2-40B4-BE49-F238E27FC236}">
-                <a16:creationId xmlns:a16="http://schemas.microsoft.com/office/drawing/2014/main" id="{17E1919B-9B62-4185-953E-49E93794E4BC}"/>
-              </a:ext>
-            </a:extLst>
-          </p:cNvPr>
-          <p:cNvSpPr/>
-          <p:nvPr/>
-        </p:nvSpPr>
-        <p:spPr>
-          <a:xfrm>
-            <a:off x="13142576" y="1777131"/>
-            <a:ext cx="1371599" cy="723013"/>
-          </a:xfrm>
-          <a:prstGeom prst="snip1Rect">
-            <a:avLst>
-              <a:gd name="adj" fmla="val 17966"/>
-            </a:avLst>
-          </a:prstGeom>
-          <a:solidFill>
-            <a:schemeClr val="accent1">
-              <a:lumMod val="60000"/>
-              <a:lumOff val="40000"/>
-            </a:schemeClr>
-          </a:solidFill>
-          <a:ln>
-            <a:noFill/>
-          </a:ln>
-        </p:spPr>
-        <p:style>
-          <a:lnRef idx="2">
-            <a:schemeClr val="accent1">
-              <a:shade val="50000"/>
-            </a:schemeClr>
-          </a:lnRef>
-          <a:fillRef idx="1">
-            <a:schemeClr val="accent1"/>
-          </a:fillRef>
-          <a:effectRef idx="0">
-            <a:schemeClr val="accent1"/>
-          </a:effectRef>
-          <a:fontRef idx="minor">
-            <a:schemeClr val="lt1"/>
-          </a:fontRef>
-        </p:style>
-        <p:txBody>
-          <a:bodyPr rtlCol="0" anchor="ctr"/>
-          <a:lstStyle/>
-          <a:p>
-            <a:pPr algn="ctr"/>
-            <a:r>
-              <a:rPr lang="zh-CN" altLang="en-US" sz="2000" dirty="0">
-                <a:solidFill>
-                  <a:sysClr val="windowText" lastClr="000000"/>
-                </a:solidFill>
-              </a:rPr>
-              <a:t>个人</a:t>
-            </a:r>
-          </a:p>
-        </p:txBody>
-      </p:sp>
-      <p:sp>
-        <p:nvSpPr>
-          <p:cNvPr id="11" name="矩形: 剪去单角 10">
-            <a:extLst>
-              <a:ext uri="{FF2B5EF4-FFF2-40B4-BE49-F238E27FC236}">
-                <a16:creationId xmlns:a16="http://schemas.microsoft.com/office/drawing/2014/main" id="{94A6CA17-0A95-4709-A562-AC47D2F24594}"/>
-              </a:ext>
-            </a:extLst>
-          </p:cNvPr>
-          <p:cNvSpPr/>
-          <p:nvPr/>
-        </p:nvSpPr>
-        <p:spPr>
-          <a:xfrm>
-            <a:off x="3084108" y="2982162"/>
-            <a:ext cx="1371599" cy="723013"/>
-          </a:xfrm>
-          <a:prstGeom prst="snip1Rect">
-            <a:avLst>
-              <a:gd name="adj" fmla="val 17966"/>
-            </a:avLst>
-          </a:prstGeom>
-          <a:solidFill>
-            <a:schemeClr val="accent4">
-              <a:lumMod val="40000"/>
-              <a:lumOff val="60000"/>
-            </a:schemeClr>
-          </a:solidFill>
-          <a:ln>
-            <a:noFill/>
-          </a:ln>
-        </p:spPr>
-        <p:style>
-          <a:lnRef idx="2">
-            <a:schemeClr val="accent1">
-              <a:shade val="50000"/>
-            </a:schemeClr>
-          </a:lnRef>
-          <a:fillRef idx="1">
-            <a:schemeClr val="accent1"/>
-          </a:fillRef>
-          <a:effectRef idx="0">
-            <a:schemeClr val="accent1"/>
-          </a:effectRef>
-          <a:fontRef idx="minor">
-            <a:schemeClr val="lt1"/>
-          </a:fontRef>
-        </p:style>
-        <p:txBody>
-          <a:bodyPr rtlCol="0" anchor="ctr"/>
-          <a:lstStyle/>
-          <a:p>
-            <a:pPr algn="ctr"/>
-            <a:r>
-              <a:rPr lang="zh-CN" altLang="en-US" sz="2000" dirty="0">
-                <a:solidFill>
-                  <a:sysClr val="windowText" lastClr="000000"/>
-                </a:solidFill>
-              </a:rPr>
-              <a:t>账号注册</a:t>
-            </a:r>
-          </a:p>
-        </p:txBody>
-      </p:sp>
-      <p:sp>
-        <p:nvSpPr>
-          <p:cNvPr id="12" name="矩形: 剪去单角 11">
-            <a:extLst>
-              <a:ext uri="{FF2B5EF4-FFF2-40B4-BE49-F238E27FC236}">
-                <a16:creationId xmlns:a16="http://schemas.microsoft.com/office/drawing/2014/main" id="{01BF8C08-A54A-4490-B6C6-60C2020B3DD0}"/>
-              </a:ext>
-            </a:extLst>
-          </p:cNvPr>
-          <p:cNvSpPr/>
-          <p:nvPr/>
-        </p:nvSpPr>
-        <p:spPr>
-          <a:xfrm>
-            <a:off x="3107145" y="5395789"/>
-            <a:ext cx="1371599" cy="723013"/>
-          </a:xfrm>
-          <a:prstGeom prst="snip1Rect">
-            <a:avLst>
-              <a:gd name="adj" fmla="val 17966"/>
-            </a:avLst>
-          </a:prstGeom>
-          <a:solidFill>
-            <a:srgbClr val="F27E9A"/>
-          </a:solidFill>
-          <a:ln>
-            <a:noFill/>
-          </a:ln>
-        </p:spPr>
-        <p:style>
-          <a:lnRef idx="2">
-            <a:schemeClr val="accent1">
-              <a:shade val="50000"/>
-            </a:schemeClr>
-          </a:lnRef>
-          <a:fillRef idx="1">
-            <a:schemeClr val="accent1"/>
-          </a:fillRef>
-          <a:effectRef idx="0">
-            <a:schemeClr val="accent1"/>
-          </a:effectRef>
-          <a:fontRef idx="minor">
-            <a:schemeClr val="lt1"/>
-          </a:fontRef>
-        </p:style>
-        <p:txBody>
-          <a:bodyPr rtlCol="0" anchor="ctr"/>
-          <a:lstStyle/>
-          <a:p>
-            <a:pPr algn="ctr"/>
-            <a:r>
-              <a:rPr lang="zh-CN" altLang="en-US" sz="2000" dirty="0">
-                <a:solidFill>
-                  <a:sysClr val="windowText" lastClr="000000"/>
-                </a:solidFill>
-              </a:rPr>
-              <a:t>身份绑定</a:t>
-            </a:r>
-          </a:p>
-        </p:txBody>
-      </p:sp>
-      <p:sp>
-        <p:nvSpPr>
-          <p:cNvPr id="13" name="矩形: 剪去单角 12">
-            <a:extLst>
-              <a:ext uri="{FF2B5EF4-FFF2-40B4-BE49-F238E27FC236}">
-                <a16:creationId xmlns:a16="http://schemas.microsoft.com/office/drawing/2014/main" id="{3C468790-EB6C-4204-9DA9-B1843AA3015D}"/>
-              </a:ext>
-            </a:extLst>
-          </p:cNvPr>
-          <p:cNvSpPr/>
-          <p:nvPr/>
-        </p:nvSpPr>
-        <p:spPr>
-          <a:xfrm>
-            <a:off x="4855928" y="2982159"/>
-            <a:ext cx="1371599" cy="723013"/>
-          </a:xfrm>
-          <a:prstGeom prst="snip1Rect">
-            <a:avLst>
-              <a:gd name="adj" fmla="val 17966"/>
-            </a:avLst>
-          </a:prstGeom>
-          <a:solidFill>
-            <a:schemeClr val="accent4">
-              <a:lumMod val="40000"/>
-              <a:lumOff val="60000"/>
-            </a:schemeClr>
-          </a:solidFill>
-          <a:ln>
-            <a:noFill/>
-          </a:ln>
-        </p:spPr>
-        <p:style>
-          <a:lnRef idx="2">
-            <a:schemeClr val="accent1">
-              <a:shade val="50000"/>
-            </a:schemeClr>
-          </a:lnRef>
-          <a:fillRef idx="1">
-            <a:schemeClr val="accent1"/>
-          </a:fillRef>
-          <a:effectRef idx="0">
-            <a:schemeClr val="accent1"/>
-          </a:effectRef>
-          <a:fontRef idx="minor">
-            <a:schemeClr val="lt1"/>
-          </a:fontRef>
-        </p:style>
-        <p:txBody>
-          <a:bodyPr rtlCol="0" anchor="ctr"/>
-          <a:lstStyle/>
-          <a:p>
-            <a:pPr algn="ctr"/>
-            <a:r>
-              <a:rPr lang="zh-CN" altLang="en-US" sz="2000" dirty="0">
-                <a:solidFill>
-                  <a:sysClr val="windowText" lastClr="000000"/>
-                </a:solidFill>
-              </a:rPr>
-              <a:t>查看详情</a:t>
-            </a:r>
-          </a:p>
-        </p:txBody>
-      </p:sp>
-      <p:sp>
-        <p:nvSpPr>
-          <p:cNvPr id="17" name="矩形: 剪去单角 16">
-            <a:extLst>
-              <a:ext uri="{FF2B5EF4-FFF2-40B4-BE49-F238E27FC236}">
-                <a16:creationId xmlns:a16="http://schemas.microsoft.com/office/drawing/2014/main" id="{CF2A7B2E-7391-4170-9008-4CD90E00E10D}"/>
-              </a:ext>
-            </a:extLst>
-          </p:cNvPr>
-          <p:cNvSpPr/>
-          <p:nvPr/>
-        </p:nvSpPr>
-        <p:spPr>
-          <a:xfrm>
-            <a:off x="6882487" y="3009668"/>
-            <a:ext cx="1371599" cy="723013"/>
-          </a:xfrm>
-          <a:prstGeom prst="snip1Rect">
-            <a:avLst>
-              <a:gd name="adj" fmla="val 17966"/>
-            </a:avLst>
-          </a:prstGeom>
-          <a:solidFill>
-            <a:schemeClr val="accent4">
-              <a:lumMod val="40000"/>
-              <a:lumOff val="60000"/>
-            </a:schemeClr>
-          </a:solidFill>
-          <a:ln>
-            <a:noFill/>
-          </a:ln>
-        </p:spPr>
-        <p:style>
-          <a:lnRef idx="2">
-            <a:schemeClr val="accent1">
-              <a:shade val="50000"/>
-            </a:schemeClr>
-          </a:lnRef>
-          <a:fillRef idx="1">
-            <a:schemeClr val="accent1"/>
-          </a:fillRef>
-          <a:effectRef idx="0">
-            <a:schemeClr val="accent1"/>
-          </a:effectRef>
-          <a:fontRef idx="minor">
-            <a:schemeClr val="lt1"/>
-          </a:fontRef>
-        </p:style>
-        <p:txBody>
-          <a:bodyPr rtlCol="0" anchor="ctr"/>
-          <a:lstStyle/>
-          <a:p>
-            <a:pPr algn="ctr"/>
-            <a:r>
-              <a:rPr lang="zh-CN" altLang="en-US" sz="2000" dirty="0">
-                <a:solidFill>
-                  <a:sysClr val="windowText" lastClr="000000"/>
-                </a:solidFill>
-              </a:rPr>
-              <a:t>匿名聊天</a:t>
-            </a:r>
-          </a:p>
-        </p:txBody>
-      </p:sp>
-      <p:sp>
-        <p:nvSpPr>
-          <p:cNvPr id="20" name="矩形: 剪去单角 19">
-            <a:extLst>
-              <a:ext uri="{FF2B5EF4-FFF2-40B4-BE49-F238E27FC236}">
-                <a16:creationId xmlns:a16="http://schemas.microsoft.com/office/drawing/2014/main" id="{EED47FEB-995C-479C-9EDC-8199332AC8D8}"/>
-              </a:ext>
-            </a:extLst>
-          </p:cNvPr>
-          <p:cNvSpPr/>
-          <p:nvPr/>
-        </p:nvSpPr>
-        <p:spPr>
-          <a:xfrm>
-            <a:off x="8909046" y="3018276"/>
-            <a:ext cx="1371599" cy="723013"/>
-          </a:xfrm>
-          <a:prstGeom prst="snip1Rect">
-            <a:avLst>
-              <a:gd name="adj" fmla="val 17966"/>
-            </a:avLst>
-          </a:prstGeom>
-          <a:solidFill>
-            <a:schemeClr val="accent4">
-              <a:lumMod val="40000"/>
-              <a:lumOff val="60000"/>
-            </a:schemeClr>
-          </a:solidFill>
-          <a:ln>
-            <a:noFill/>
-          </a:ln>
-        </p:spPr>
-        <p:style>
-          <a:lnRef idx="2">
-            <a:schemeClr val="accent1">
-              <a:shade val="50000"/>
-            </a:schemeClr>
-          </a:lnRef>
-          <a:fillRef idx="1">
-            <a:schemeClr val="accent1"/>
-          </a:fillRef>
-          <a:effectRef idx="0">
-            <a:schemeClr val="accent1"/>
-          </a:effectRef>
-          <a:fontRef idx="minor">
-            <a:schemeClr val="lt1"/>
-          </a:fontRef>
-        </p:style>
-        <p:txBody>
-          <a:bodyPr rtlCol="0" anchor="ctr"/>
-          <a:lstStyle/>
-          <a:p>
-            <a:pPr algn="ctr"/>
-            <a:r>
-              <a:rPr lang="zh-CN" altLang="en-US" sz="2000" dirty="0">
-                <a:solidFill>
-                  <a:sysClr val="windowText" lastClr="000000"/>
-                </a:solidFill>
-              </a:rPr>
-              <a:t>双向确认</a:t>
-            </a:r>
-          </a:p>
-        </p:txBody>
-      </p:sp>
-      <p:sp>
-        <p:nvSpPr>
-          <p:cNvPr id="21" name="矩形: 剪去单角 20">
-            <a:extLst>
-              <a:ext uri="{FF2B5EF4-FFF2-40B4-BE49-F238E27FC236}">
-                <a16:creationId xmlns:a16="http://schemas.microsoft.com/office/drawing/2014/main" id="{80B6CA50-212C-40E9-903F-018BF261D87A}"/>
-              </a:ext>
-            </a:extLst>
-          </p:cNvPr>
-          <p:cNvSpPr/>
-          <p:nvPr/>
-        </p:nvSpPr>
-        <p:spPr>
-          <a:xfrm>
-            <a:off x="11025810" y="2982160"/>
-            <a:ext cx="1371599" cy="723013"/>
-          </a:xfrm>
-          <a:prstGeom prst="snip1Rect">
-            <a:avLst>
-              <a:gd name="adj" fmla="val 17966"/>
-            </a:avLst>
-          </a:prstGeom>
-          <a:solidFill>
-            <a:schemeClr val="accent4">
-              <a:lumMod val="40000"/>
-              <a:lumOff val="60000"/>
-            </a:schemeClr>
-          </a:solidFill>
-          <a:ln>
-            <a:noFill/>
-          </a:ln>
-        </p:spPr>
-        <p:style>
-          <a:lnRef idx="2">
-            <a:schemeClr val="accent1">
-              <a:shade val="50000"/>
-            </a:schemeClr>
-          </a:lnRef>
-          <a:fillRef idx="1">
-            <a:schemeClr val="accent1"/>
-          </a:fillRef>
-          <a:effectRef idx="0">
-            <a:schemeClr val="accent1"/>
-          </a:effectRef>
-          <a:fontRef idx="minor">
-            <a:schemeClr val="lt1"/>
-          </a:fontRef>
-        </p:style>
-        <p:txBody>
-          <a:bodyPr rtlCol="0" anchor="ctr"/>
-          <a:lstStyle/>
-          <a:p>
-            <a:pPr algn="ctr"/>
-            <a:r>
-              <a:rPr lang="zh-CN" altLang="en-US" sz="2000" dirty="0">
-                <a:solidFill>
-                  <a:sysClr val="windowText" lastClr="000000"/>
-                </a:solidFill>
-              </a:rPr>
-              <a:t>取消报名</a:t>
-            </a:r>
-          </a:p>
-        </p:txBody>
-      </p:sp>
-      <p:sp>
-        <p:nvSpPr>
-          <p:cNvPr id="23" name="矩形: 剪去单角 22">
-            <a:extLst>
-              <a:ext uri="{FF2B5EF4-FFF2-40B4-BE49-F238E27FC236}">
-                <a16:creationId xmlns:a16="http://schemas.microsoft.com/office/drawing/2014/main" id="{F6D0E2F0-2D35-4656-8035-7328AA63185F}"/>
-              </a:ext>
-            </a:extLst>
-          </p:cNvPr>
-          <p:cNvSpPr/>
-          <p:nvPr/>
-        </p:nvSpPr>
-        <p:spPr>
-          <a:xfrm>
-            <a:off x="13165613" y="5395785"/>
-            <a:ext cx="1371599" cy="723013"/>
-          </a:xfrm>
-          <a:prstGeom prst="snip1Rect">
-            <a:avLst>
-              <a:gd name="adj" fmla="val 17966"/>
-            </a:avLst>
-          </a:prstGeom>
-          <a:solidFill>
-            <a:srgbClr val="F27E9A"/>
-          </a:solidFill>
-          <a:ln>
-            <a:noFill/>
-          </a:ln>
-        </p:spPr>
-        <p:style>
-          <a:lnRef idx="2">
-            <a:schemeClr val="accent1">
-              <a:shade val="50000"/>
-            </a:schemeClr>
-          </a:lnRef>
-          <a:fillRef idx="1">
-            <a:schemeClr val="accent1"/>
-          </a:fillRef>
-          <a:effectRef idx="0">
-            <a:schemeClr val="accent1"/>
-          </a:effectRef>
-          <a:fontRef idx="minor">
-            <a:schemeClr val="lt1"/>
-          </a:fontRef>
-        </p:style>
-        <p:txBody>
-          <a:bodyPr rtlCol="0" anchor="ctr"/>
-          <a:lstStyle/>
-          <a:p>
-            <a:pPr algn="ctr"/>
-            <a:r>
-              <a:rPr lang="zh-CN" altLang="en-US" sz="2000" dirty="0">
-                <a:solidFill>
-                  <a:sysClr val="windowText" lastClr="000000"/>
-                </a:solidFill>
-              </a:rPr>
-              <a:t>活动奖励</a:t>
-            </a:r>
-          </a:p>
-        </p:txBody>
-      </p:sp>
-      <p:sp>
-        <p:nvSpPr>
-          <p:cNvPr id="24" name="矩形: 剪去单角 23">
-            <a:extLst>
-              <a:ext uri="{FF2B5EF4-FFF2-40B4-BE49-F238E27FC236}">
-                <a16:creationId xmlns:a16="http://schemas.microsoft.com/office/drawing/2014/main" id="{87AF3D8C-E539-4896-B986-ADAAEFF30308}"/>
-              </a:ext>
-            </a:extLst>
-          </p:cNvPr>
-          <p:cNvSpPr/>
-          <p:nvPr/>
-        </p:nvSpPr>
-        <p:spPr>
-          <a:xfrm>
-            <a:off x="14943612" y="5395785"/>
-            <a:ext cx="1371599" cy="723013"/>
-          </a:xfrm>
-          <a:prstGeom prst="snip1Rect">
-            <a:avLst>
-              <a:gd name="adj" fmla="val 17966"/>
-            </a:avLst>
-          </a:prstGeom>
-          <a:solidFill>
-            <a:srgbClr val="F27E9A"/>
-          </a:solidFill>
-          <a:ln>
-            <a:noFill/>
-          </a:ln>
-        </p:spPr>
-        <p:style>
-          <a:lnRef idx="2">
-            <a:schemeClr val="accent1">
-              <a:shade val="50000"/>
-            </a:schemeClr>
-          </a:lnRef>
-          <a:fillRef idx="1">
-            <a:schemeClr val="accent1"/>
-          </a:fillRef>
-          <a:effectRef idx="0">
-            <a:schemeClr val="accent1"/>
-          </a:effectRef>
-          <a:fontRef idx="minor">
-            <a:schemeClr val="lt1"/>
-          </a:fontRef>
-        </p:style>
-        <p:txBody>
-          <a:bodyPr rtlCol="0" anchor="ctr"/>
-          <a:lstStyle/>
-          <a:p>
-            <a:pPr algn="ctr"/>
-            <a:r>
-              <a:rPr lang="zh-CN" altLang="en-US" sz="2000" dirty="0">
-                <a:solidFill>
-                  <a:sysClr val="windowText" lastClr="000000"/>
-                </a:solidFill>
-              </a:rPr>
-              <a:t>查看信用</a:t>
-            </a:r>
-          </a:p>
-        </p:txBody>
-      </p:sp>
-      <p:sp>
-        <p:nvSpPr>
-          <p:cNvPr id="25" name="矩形: 剪去单角 24">
-            <a:extLst>
-              <a:ext uri="{FF2B5EF4-FFF2-40B4-BE49-F238E27FC236}">
-                <a16:creationId xmlns:a16="http://schemas.microsoft.com/office/drawing/2014/main" id="{28B6FC3D-806C-43FF-8D14-166B84826BB4}"/>
-              </a:ext>
-            </a:extLst>
-          </p:cNvPr>
-          <p:cNvSpPr/>
-          <p:nvPr/>
-        </p:nvSpPr>
-        <p:spPr>
-          <a:xfrm>
-            <a:off x="13165613" y="6433557"/>
-            <a:ext cx="1371599" cy="723013"/>
-          </a:xfrm>
-          <a:prstGeom prst="snip1Rect">
-            <a:avLst>
-              <a:gd name="adj" fmla="val 17966"/>
-            </a:avLst>
-          </a:prstGeom>
-          <a:solidFill>
-            <a:srgbClr val="F27E9A"/>
-          </a:solidFill>
-          <a:ln>
-            <a:noFill/>
-          </a:ln>
-        </p:spPr>
-        <p:style>
-          <a:lnRef idx="2">
-            <a:schemeClr val="accent1">
-              <a:shade val="50000"/>
-            </a:schemeClr>
-          </a:lnRef>
-          <a:fillRef idx="1">
-            <a:schemeClr val="accent1"/>
-          </a:fillRef>
-          <a:effectRef idx="0">
-            <a:schemeClr val="accent1"/>
-          </a:effectRef>
-          <a:fontRef idx="minor">
-            <a:schemeClr val="lt1"/>
-          </a:fontRef>
-        </p:style>
-        <p:txBody>
-          <a:bodyPr rtlCol="0" anchor="ctr"/>
-          <a:lstStyle/>
-          <a:p>
-            <a:pPr algn="ctr"/>
-            <a:r>
-              <a:rPr lang="zh-CN" altLang="en-US" sz="2000" dirty="0">
-                <a:solidFill>
-                  <a:sysClr val="windowText" lastClr="000000"/>
-                </a:solidFill>
-              </a:rPr>
-              <a:t>变更形象</a:t>
-            </a:r>
-          </a:p>
-        </p:txBody>
-      </p:sp>
-      <p:sp>
-        <p:nvSpPr>
-          <p:cNvPr id="26" name="矩形: 剪去单角 25">
-            <a:extLst>
-              <a:ext uri="{FF2B5EF4-FFF2-40B4-BE49-F238E27FC236}">
-                <a16:creationId xmlns:a16="http://schemas.microsoft.com/office/drawing/2014/main" id="{B71FF689-7050-4DAA-B4AF-0C50DC0CB7DF}"/>
-              </a:ext>
-            </a:extLst>
-          </p:cNvPr>
-          <p:cNvSpPr/>
-          <p:nvPr/>
-        </p:nvSpPr>
-        <p:spPr>
-          <a:xfrm>
-            <a:off x="14943612" y="6433557"/>
-            <a:ext cx="1371599" cy="723013"/>
-          </a:xfrm>
-          <a:prstGeom prst="snip1Rect">
-            <a:avLst>
-              <a:gd name="adj" fmla="val 17966"/>
-            </a:avLst>
-          </a:prstGeom>
-          <a:solidFill>
-            <a:srgbClr val="F27E9A"/>
-          </a:solidFill>
-          <a:ln>
-            <a:noFill/>
-          </a:ln>
-        </p:spPr>
-        <p:style>
-          <a:lnRef idx="2">
-            <a:schemeClr val="accent1">
-              <a:shade val="50000"/>
-            </a:schemeClr>
-          </a:lnRef>
-          <a:fillRef idx="1">
-            <a:schemeClr val="accent1"/>
-          </a:fillRef>
-          <a:effectRef idx="0">
-            <a:schemeClr val="accent1"/>
-          </a:effectRef>
-          <a:fontRef idx="minor">
-            <a:schemeClr val="lt1"/>
-          </a:fontRef>
-        </p:style>
-        <p:txBody>
-          <a:bodyPr rtlCol="0" anchor="ctr"/>
-          <a:lstStyle/>
-          <a:p>
-            <a:pPr algn="ctr"/>
-            <a:r>
-              <a:rPr lang="zh-CN" altLang="en-US" sz="2000" dirty="0">
-                <a:solidFill>
-                  <a:sysClr val="windowText" lastClr="000000"/>
-                </a:solidFill>
-              </a:rPr>
-              <a:t>历史记录</a:t>
-            </a:r>
-          </a:p>
-        </p:txBody>
-      </p:sp>
-      <p:sp>
-        <p:nvSpPr>
-          <p:cNvPr id="28" name="矩形: 剪去单角 27">
-            <a:extLst>
-              <a:ext uri="{FF2B5EF4-FFF2-40B4-BE49-F238E27FC236}">
-                <a16:creationId xmlns:a16="http://schemas.microsoft.com/office/drawing/2014/main" id="{BC090EA1-D19E-48DE-B54A-383E28DF152E}"/>
-              </a:ext>
-            </a:extLst>
-          </p:cNvPr>
-          <p:cNvSpPr/>
-          <p:nvPr/>
-        </p:nvSpPr>
-        <p:spPr>
-          <a:xfrm>
-            <a:off x="13142576" y="2982157"/>
-            <a:ext cx="1371599" cy="723013"/>
-          </a:xfrm>
-          <a:prstGeom prst="snip1Rect">
-            <a:avLst>
-              <a:gd name="adj" fmla="val 17966"/>
-            </a:avLst>
-          </a:prstGeom>
-          <a:solidFill>
-            <a:schemeClr val="accent4">
-              <a:lumMod val="40000"/>
-              <a:lumOff val="60000"/>
-            </a:schemeClr>
-          </a:solidFill>
-          <a:ln>
-            <a:noFill/>
-          </a:ln>
-        </p:spPr>
-        <p:style>
-          <a:lnRef idx="2">
-            <a:schemeClr val="accent1">
-              <a:shade val="50000"/>
-            </a:schemeClr>
-          </a:lnRef>
-          <a:fillRef idx="1">
-            <a:schemeClr val="accent1"/>
-          </a:fillRef>
-          <a:effectRef idx="0">
-            <a:schemeClr val="accent1"/>
-          </a:effectRef>
-          <a:fontRef idx="minor">
-            <a:schemeClr val="lt1"/>
-          </a:fontRef>
-        </p:style>
-        <p:txBody>
-          <a:bodyPr rtlCol="0" anchor="ctr"/>
-          <a:lstStyle/>
-          <a:p>
-            <a:pPr algn="ctr"/>
-            <a:r>
-              <a:rPr lang="zh-CN" altLang="en-US" sz="2000" dirty="0">
-                <a:solidFill>
-                  <a:sysClr val="windowText" lastClr="000000"/>
-                </a:solidFill>
-              </a:rPr>
-              <a:t>意见反馈</a:t>
-            </a:r>
-          </a:p>
-        </p:txBody>
-      </p:sp>
-      <p:sp>
-        <p:nvSpPr>
           <p:cNvPr id="2" name="文本框 1">
             <a:extLst>
               <a:ext uri="{FF2B5EF4-FFF2-40B4-BE49-F238E27FC236}">
@@ -7240,10 +6252,10 @@
       </p:sp>
       <p:sp>
         <p:nvSpPr>
-          <p:cNvPr id="31" name="矩形: 剪去单角 30">
+          <p:cNvPr id="27" name="矩形: 剪去单角 26">
             <a:extLst>
               <a:ext uri="{FF2B5EF4-FFF2-40B4-BE49-F238E27FC236}">
-                <a16:creationId xmlns:a16="http://schemas.microsoft.com/office/drawing/2014/main" id="{A028268A-D246-4A0F-BFEB-1056D355EDAE}"/>
+                <a16:creationId xmlns:a16="http://schemas.microsoft.com/office/drawing/2014/main" id="{D00BB791-7046-41AB-BE1C-A5A32EF91330}"/>
               </a:ext>
             </a:extLst>
           </p:cNvPr>
@@ -7252,7 +6264,7 @@
         </p:nvSpPr>
         <p:spPr>
           <a:xfrm>
-            <a:off x="6882487" y="4226797"/>
+            <a:off x="1356167" y="1368576"/>
             <a:ext cx="1371599" cy="723013"/>
           </a:xfrm>
           <a:prstGeom prst="snip1Rect">
@@ -7261,8 +6273,9 @@
             </a:avLst>
           </a:prstGeom>
           <a:solidFill>
-            <a:schemeClr val="bg1">
-              <a:lumMod val="85000"/>
+            <a:schemeClr val="accent1">
+              <a:lumMod val="60000"/>
+              <a:lumOff val="40000"/>
             </a:schemeClr>
           </a:solidFill>
           <a:ln>
@@ -7296,17 +6309,17 @@
                   <a:sysClr val="windowText" lastClr="000000"/>
                 </a:solidFill>
               </a:rPr>
-              <a:t>单向取匿</a:t>
-            </a:r>
-          </a:p>
-        </p:txBody>
-      </p:sp>
-      <p:sp>
-        <p:nvSpPr>
-          <p:cNvPr id="33" name="矩形: 剪去单角 32">
+              <a:t>身份</a:t>
+            </a:r>
+          </a:p>
+        </p:txBody>
+      </p:sp>
+      <p:sp>
+        <p:nvSpPr>
+          <p:cNvPr id="29" name="矩形: 剪去单角 28">
             <a:extLst>
               <a:ext uri="{FF2B5EF4-FFF2-40B4-BE49-F238E27FC236}">
-                <a16:creationId xmlns:a16="http://schemas.microsoft.com/office/drawing/2014/main" id="{EEF86184-7D0D-4CF6-9F4F-6AEACD4CDCF8}"/>
+                <a16:creationId xmlns:a16="http://schemas.microsoft.com/office/drawing/2014/main" id="{49E89485-5C78-470A-95C7-EC9EC7B315F5}"/>
               </a:ext>
             </a:extLst>
           </p:cNvPr>
@@ -7315,7 +6328,7 @@
         </p:nvSpPr>
         <p:spPr>
           <a:xfrm>
-            <a:off x="8909046" y="5395784"/>
+            <a:off x="3104950" y="1368573"/>
             <a:ext cx="1371599" cy="723013"/>
           </a:xfrm>
           <a:prstGeom prst="snip1Rect">
@@ -7324,7 +6337,10 @@
             </a:avLst>
           </a:prstGeom>
           <a:solidFill>
-            <a:srgbClr val="F27E9A"/>
+            <a:schemeClr val="accent1">
+              <a:lumMod val="60000"/>
+              <a:lumOff val="40000"/>
+            </a:schemeClr>
           </a:solidFill>
           <a:ln>
             <a:noFill/>
@@ -7357,17 +6373,17 @@
                   <a:sysClr val="windowText" lastClr="000000"/>
                 </a:solidFill>
               </a:rPr>
-              <a:t>活动提醒</a:t>
-            </a:r>
-          </a:p>
-        </p:txBody>
-      </p:sp>
-      <p:sp>
-        <p:nvSpPr>
-          <p:cNvPr id="35" name="矩形: 剪去单角 34">
+              <a:t>浏览</a:t>
+            </a:r>
+          </a:p>
+        </p:txBody>
+      </p:sp>
+      <p:sp>
+        <p:nvSpPr>
+          <p:cNvPr id="30" name="矩形: 剪去单角 29">
             <a:extLst>
               <a:ext uri="{FF2B5EF4-FFF2-40B4-BE49-F238E27FC236}">
-                <a16:creationId xmlns:a16="http://schemas.microsoft.com/office/drawing/2014/main" id="{6E4D8B80-1400-497D-A203-CED07C1A2C26}"/>
+                <a16:creationId xmlns:a16="http://schemas.microsoft.com/office/drawing/2014/main" id="{F2C6E94E-9808-4000-9EA5-6FCFD72B1DAB}"/>
               </a:ext>
             </a:extLst>
           </p:cNvPr>
@@ -7376,7 +6392,7 @@
         </p:nvSpPr>
         <p:spPr>
           <a:xfrm>
-            <a:off x="8909046" y="4226797"/>
+            <a:off x="6590658" y="1359797"/>
             <a:ext cx="1371599" cy="723013"/>
           </a:xfrm>
           <a:prstGeom prst="snip1Rect">
@@ -7385,8 +6401,9 @@
             </a:avLst>
           </a:prstGeom>
           <a:solidFill>
-            <a:schemeClr val="bg1">
-              <a:lumMod val="85000"/>
+            <a:schemeClr val="accent1">
+              <a:lumMod val="60000"/>
+              <a:lumOff val="40000"/>
             </a:schemeClr>
           </a:solidFill>
           <a:ln>
@@ -7420,11 +6437,1436 @@
                   <a:sysClr val="windowText" lastClr="000000"/>
                 </a:solidFill>
               </a:rPr>
+              <a:t>交流</a:t>
+            </a:r>
+          </a:p>
+        </p:txBody>
+      </p:sp>
+      <p:sp>
+        <p:nvSpPr>
+          <p:cNvPr id="32" name="矩形: 剪去单角 31">
+            <a:extLst>
+              <a:ext uri="{FF2B5EF4-FFF2-40B4-BE49-F238E27FC236}">
+                <a16:creationId xmlns:a16="http://schemas.microsoft.com/office/drawing/2014/main" id="{FC0A47F5-11FB-4784-AFC1-3F60A17C9BD2}"/>
+              </a:ext>
+            </a:extLst>
+          </p:cNvPr>
+          <p:cNvSpPr/>
+          <p:nvPr/>
+        </p:nvSpPr>
+        <p:spPr>
+          <a:xfrm>
+            <a:off x="10076366" y="1368578"/>
+            <a:ext cx="1371599" cy="723013"/>
+          </a:xfrm>
+          <a:prstGeom prst="snip1Rect">
+            <a:avLst>
+              <a:gd name="adj" fmla="val 17966"/>
+            </a:avLst>
+          </a:prstGeom>
+          <a:solidFill>
+            <a:schemeClr val="accent1">
+              <a:lumMod val="60000"/>
+              <a:lumOff val="40000"/>
+            </a:schemeClr>
+          </a:solidFill>
+          <a:ln>
+            <a:noFill/>
+          </a:ln>
+        </p:spPr>
+        <p:style>
+          <a:lnRef idx="2">
+            <a:schemeClr val="accent1">
+              <a:shade val="50000"/>
+            </a:schemeClr>
+          </a:lnRef>
+          <a:fillRef idx="1">
+            <a:schemeClr val="accent1"/>
+          </a:fillRef>
+          <a:effectRef idx="0">
+            <a:schemeClr val="accent1"/>
+          </a:effectRef>
+          <a:fontRef idx="minor">
+            <a:schemeClr val="lt1"/>
+          </a:fontRef>
+        </p:style>
+        <p:txBody>
+          <a:bodyPr rtlCol="0" anchor="ctr"/>
+          <a:lstStyle/>
+          <a:p>
+            <a:pPr algn="ctr"/>
+            <a:r>
+              <a:rPr lang="zh-CN" altLang="en-US" sz="2000" dirty="0">
+                <a:solidFill>
+                  <a:sysClr val="windowText" lastClr="000000"/>
+                </a:solidFill>
+              </a:rPr>
+              <a:t>确认</a:t>
+            </a:r>
+          </a:p>
+        </p:txBody>
+      </p:sp>
+      <p:sp>
+        <p:nvSpPr>
+          <p:cNvPr id="34" name="矩形: 剪去单角 33">
+            <a:extLst>
+              <a:ext uri="{FF2B5EF4-FFF2-40B4-BE49-F238E27FC236}">
+                <a16:creationId xmlns:a16="http://schemas.microsoft.com/office/drawing/2014/main" id="{C1F61D20-15A5-4CA4-AD47-D9DD87D408F7}"/>
+              </a:ext>
+            </a:extLst>
+          </p:cNvPr>
+          <p:cNvSpPr/>
+          <p:nvPr/>
+        </p:nvSpPr>
+        <p:spPr>
+          <a:xfrm>
+            <a:off x="12193130" y="1368578"/>
+            <a:ext cx="1371599" cy="723013"/>
+          </a:xfrm>
+          <a:prstGeom prst="snip1Rect">
+            <a:avLst>
+              <a:gd name="adj" fmla="val 17966"/>
+            </a:avLst>
+          </a:prstGeom>
+          <a:solidFill>
+            <a:schemeClr val="accent1">
+              <a:lumMod val="60000"/>
+              <a:lumOff val="40000"/>
+            </a:schemeClr>
+          </a:solidFill>
+          <a:ln>
+            <a:noFill/>
+          </a:ln>
+        </p:spPr>
+        <p:style>
+          <a:lnRef idx="2">
+            <a:schemeClr val="accent1">
+              <a:shade val="50000"/>
+            </a:schemeClr>
+          </a:lnRef>
+          <a:fillRef idx="1">
+            <a:schemeClr val="accent1"/>
+          </a:fillRef>
+          <a:effectRef idx="0">
+            <a:schemeClr val="accent1"/>
+          </a:effectRef>
+          <a:fontRef idx="minor">
+            <a:schemeClr val="lt1"/>
+          </a:fontRef>
+        </p:style>
+        <p:txBody>
+          <a:bodyPr rtlCol="0" anchor="ctr"/>
+          <a:lstStyle/>
+          <a:p>
+            <a:pPr algn="ctr"/>
+            <a:r>
+              <a:rPr lang="zh-CN" altLang="en-US" sz="2000" dirty="0">
+                <a:solidFill>
+                  <a:sysClr val="windowText" lastClr="000000"/>
+                </a:solidFill>
+              </a:rPr>
+              <a:t>取消</a:t>
+            </a:r>
+          </a:p>
+        </p:txBody>
+      </p:sp>
+      <p:sp>
+        <p:nvSpPr>
+          <p:cNvPr id="36" name="矩形: 剪去单角 35">
+            <a:extLst>
+              <a:ext uri="{FF2B5EF4-FFF2-40B4-BE49-F238E27FC236}">
+                <a16:creationId xmlns:a16="http://schemas.microsoft.com/office/drawing/2014/main" id="{5466882A-AD23-427D-8D7D-1C6C2290F855}"/>
+              </a:ext>
+            </a:extLst>
+          </p:cNvPr>
+          <p:cNvSpPr/>
+          <p:nvPr/>
+        </p:nvSpPr>
+        <p:spPr>
+          <a:xfrm>
+            <a:off x="14309896" y="1368575"/>
+            <a:ext cx="1371599" cy="723013"/>
+          </a:xfrm>
+          <a:prstGeom prst="snip1Rect">
+            <a:avLst>
+              <a:gd name="adj" fmla="val 17966"/>
+            </a:avLst>
+          </a:prstGeom>
+          <a:solidFill>
+            <a:schemeClr val="accent1">
+              <a:lumMod val="60000"/>
+              <a:lumOff val="40000"/>
+            </a:schemeClr>
+          </a:solidFill>
+          <a:ln>
+            <a:noFill/>
+          </a:ln>
+        </p:spPr>
+        <p:style>
+          <a:lnRef idx="2">
+            <a:schemeClr val="accent1">
+              <a:shade val="50000"/>
+            </a:schemeClr>
+          </a:lnRef>
+          <a:fillRef idx="1">
+            <a:schemeClr val="accent1"/>
+          </a:fillRef>
+          <a:effectRef idx="0">
+            <a:schemeClr val="accent1"/>
+          </a:effectRef>
+          <a:fontRef idx="minor">
+            <a:schemeClr val="lt1"/>
+          </a:fontRef>
+        </p:style>
+        <p:txBody>
+          <a:bodyPr rtlCol="0" anchor="ctr"/>
+          <a:lstStyle/>
+          <a:p>
+            <a:pPr algn="ctr"/>
+            <a:r>
+              <a:rPr lang="zh-CN" altLang="en-US" sz="2000" dirty="0">
+                <a:solidFill>
+                  <a:sysClr val="windowText" lastClr="000000"/>
+                </a:solidFill>
+              </a:rPr>
+              <a:t>个人</a:t>
+            </a:r>
+          </a:p>
+        </p:txBody>
+      </p:sp>
+      <p:sp>
+        <p:nvSpPr>
+          <p:cNvPr id="37" name="矩形: 剪去单角 36">
+            <a:extLst>
+              <a:ext uri="{FF2B5EF4-FFF2-40B4-BE49-F238E27FC236}">
+                <a16:creationId xmlns:a16="http://schemas.microsoft.com/office/drawing/2014/main" id="{B1B5092B-EA62-430A-8199-BE214C3F557C}"/>
+              </a:ext>
+            </a:extLst>
+          </p:cNvPr>
+          <p:cNvSpPr/>
+          <p:nvPr/>
+        </p:nvSpPr>
+        <p:spPr>
+          <a:xfrm>
+            <a:off x="1333130" y="2573601"/>
+            <a:ext cx="1371599" cy="723013"/>
+          </a:xfrm>
+          <a:prstGeom prst="snip1Rect">
+            <a:avLst>
+              <a:gd name="adj" fmla="val 17966"/>
+            </a:avLst>
+          </a:prstGeom>
+          <a:solidFill>
+            <a:srgbClr val="D9D9D9"/>
+          </a:solidFill>
+          <a:ln>
+            <a:noFill/>
+          </a:ln>
+        </p:spPr>
+        <p:style>
+          <a:lnRef idx="2">
+            <a:schemeClr val="accent1">
+              <a:shade val="50000"/>
+            </a:schemeClr>
+          </a:lnRef>
+          <a:fillRef idx="1">
+            <a:schemeClr val="accent1"/>
+          </a:fillRef>
+          <a:effectRef idx="0">
+            <a:schemeClr val="accent1"/>
+          </a:effectRef>
+          <a:fontRef idx="minor">
+            <a:schemeClr val="lt1"/>
+          </a:fontRef>
+        </p:style>
+        <p:txBody>
+          <a:bodyPr rtlCol="0" anchor="ctr"/>
+          <a:lstStyle/>
+          <a:p>
+            <a:pPr algn="ctr"/>
+            <a:r>
+              <a:rPr lang="zh-CN" altLang="en-US" sz="2000" dirty="0">
+                <a:solidFill>
+                  <a:sysClr val="windowText" lastClr="000000"/>
+                </a:solidFill>
+              </a:rPr>
+              <a:t>账号注册</a:t>
+            </a:r>
+          </a:p>
+        </p:txBody>
+      </p:sp>
+      <p:sp>
+        <p:nvSpPr>
+          <p:cNvPr id="38" name="矩形: 剪去单角 37">
+            <a:extLst>
+              <a:ext uri="{FF2B5EF4-FFF2-40B4-BE49-F238E27FC236}">
+                <a16:creationId xmlns:a16="http://schemas.microsoft.com/office/drawing/2014/main" id="{3A328160-9FC3-476D-BC9A-E68DB98863F7}"/>
+              </a:ext>
+            </a:extLst>
+          </p:cNvPr>
+          <p:cNvSpPr/>
+          <p:nvPr/>
+        </p:nvSpPr>
+        <p:spPr>
+          <a:xfrm>
+            <a:off x="1363164" y="4813098"/>
+            <a:ext cx="1371599" cy="723013"/>
+          </a:xfrm>
+          <a:prstGeom prst="snip1Rect">
+            <a:avLst>
+              <a:gd name="adj" fmla="val 17966"/>
+            </a:avLst>
+          </a:prstGeom>
+          <a:solidFill>
+            <a:schemeClr val="accent2">
+              <a:lumMod val="60000"/>
+              <a:lumOff val="40000"/>
+            </a:schemeClr>
+          </a:solidFill>
+          <a:ln>
+            <a:noFill/>
+          </a:ln>
+        </p:spPr>
+        <p:style>
+          <a:lnRef idx="2">
+            <a:schemeClr val="accent1">
+              <a:shade val="50000"/>
+            </a:schemeClr>
+          </a:lnRef>
+          <a:fillRef idx="1">
+            <a:schemeClr val="accent1"/>
+          </a:fillRef>
+          <a:effectRef idx="0">
+            <a:schemeClr val="accent1"/>
+          </a:effectRef>
+          <a:fontRef idx="minor">
+            <a:schemeClr val="lt1"/>
+          </a:fontRef>
+        </p:style>
+        <p:txBody>
+          <a:bodyPr rtlCol="0" anchor="ctr"/>
+          <a:lstStyle/>
+          <a:p>
+            <a:pPr algn="ctr"/>
+            <a:r>
+              <a:rPr lang="zh-CN" altLang="en-US" sz="2000" dirty="0">
+                <a:solidFill>
+                  <a:sysClr val="windowText" lastClr="000000"/>
+                </a:solidFill>
+              </a:rPr>
+              <a:t>身份绑定</a:t>
+            </a:r>
+          </a:p>
+        </p:txBody>
+      </p:sp>
+      <p:sp>
+        <p:nvSpPr>
+          <p:cNvPr id="39" name="矩形: 剪去单角 38">
+            <a:extLst>
+              <a:ext uri="{FF2B5EF4-FFF2-40B4-BE49-F238E27FC236}">
+                <a16:creationId xmlns:a16="http://schemas.microsoft.com/office/drawing/2014/main" id="{DF5D4C77-A646-4B53-BC61-8BF4686D9626}"/>
+              </a:ext>
+            </a:extLst>
+          </p:cNvPr>
+          <p:cNvSpPr/>
+          <p:nvPr/>
+        </p:nvSpPr>
+        <p:spPr>
+          <a:xfrm>
+            <a:off x="3104950" y="2573598"/>
+            <a:ext cx="1371599" cy="723013"/>
+          </a:xfrm>
+          <a:prstGeom prst="snip1Rect">
+            <a:avLst>
+              <a:gd name="adj" fmla="val 17966"/>
+            </a:avLst>
+          </a:prstGeom>
+          <a:solidFill>
+            <a:srgbClr val="D9D9D9"/>
+          </a:solidFill>
+          <a:ln>
+            <a:noFill/>
+          </a:ln>
+        </p:spPr>
+        <p:style>
+          <a:lnRef idx="2">
+            <a:schemeClr val="accent1">
+              <a:shade val="50000"/>
+            </a:schemeClr>
+          </a:lnRef>
+          <a:fillRef idx="1">
+            <a:schemeClr val="accent1"/>
+          </a:fillRef>
+          <a:effectRef idx="0">
+            <a:schemeClr val="accent1"/>
+          </a:effectRef>
+          <a:fontRef idx="minor">
+            <a:schemeClr val="lt1"/>
+          </a:fontRef>
+        </p:style>
+        <p:txBody>
+          <a:bodyPr rtlCol="0" anchor="ctr"/>
+          <a:lstStyle/>
+          <a:p>
+            <a:pPr algn="ctr"/>
+            <a:r>
+              <a:rPr lang="zh-CN" altLang="en-US" sz="2000" dirty="0">
+                <a:solidFill>
+                  <a:sysClr val="windowText" lastClr="000000"/>
+                </a:solidFill>
+              </a:rPr>
+              <a:t>浏览活动</a:t>
+            </a:r>
+          </a:p>
+        </p:txBody>
+      </p:sp>
+      <p:sp>
+        <p:nvSpPr>
+          <p:cNvPr id="40" name="矩形: 剪去单角 39">
+            <a:extLst>
+              <a:ext uri="{FF2B5EF4-FFF2-40B4-BE49-F238E27FC236}">
+                <a16:creationId xmlns:a16="http://schemas.microsoft.com/office/drawing/2014/main" id="{61A18CFB-0C64-44BB-806A-518810404E93}"/>
+              </a:ext>
+            </a:extLst>
+          </p:cNvPr>
+          <p:cNvSpPr/>
+          <p:nvPr/>
+        </p:nvSpPr>
+        <p:spPr>
+          <a:xfrm>
+            <a:off x="3104949" y="3778623"/>
+            <a:ext cx="1371599" cy="723013"/>
+          </a:xfrm>
+          <a:prstGeom prst="snip1Rect">
+            <a:avLst>
+              <a:gd name="adj" fmla="val 17966"/>
+            </a:avLst>
+          </a:prstGeom>
+          <a:solidFill>
+            <a:srgbClr val="FFE699"/>
+          </a:solidFill>
+          <a:ln>
+            <a:noFill/>
+          </a:ln>
+        </p:spPr>
+        <p:style>
+          <a:lnRef idx="2">
+            <a:schemeClr val="accent1">
+              <a:shade val="50000"/>
+            </a:schemeClr>
+          </a:lnRef>
+          <a:fillRef idx="1">
+            <a:schemeClr val="accent1"/>
+          </a:fillRef>
+          <a:effectRef idx="0">
+            <a:schemeClr val="accent1"/>
+          </a:effectRef>
+          <a:fontRef idx="minor">
+            <a:schemeClr val="lt1"/>
+          </a:fontRef>
+        </p:style>
+        <p:txBody>
+          <a:bodyPr rtlCol="0" anchor="ctr"/>
+          <a:lstStyle/>
+          <a:p>
+            <a:pPr algn="ctr"/>
+            <a:r>
+              <a:rPr lang="zh-CN" altLang="en-US" sz="2000" dirty="0">
+                <a:solidFill>
+                  <a:sysClr val="windowText" lastClr="000000"/>
+                </a:solidFill>
+              </a:rPr>
+              <a:t>筛选活动</a:t>
+            </a:r>
+          </a:p>
+        </p:txBody>
+      </p:sp>
+      <p:sp>
+        <p:nvSpPr>
+          <p:cNvPr id="41" name="矩形: 剪去单角 40">
+            <a:extLst>
+              <a:ext uri="{FF2B5EF4-FFF2-40B4-BE49-F238E27FC236}">
+                <a16:creationId xmlns:a16="http://schemas.microsoft.com/office/drawing/2014/main" id="{BA10EA4B-24EC-4212-B1BF-539D7B3328E0}"/>
+              </a:ext>
+            </a:extLst>
+          </p:cNvPr>
+          <p:cNvSpPr/>
+          <p:nvPr/>
+        </p:nvSpPr>
+        <p:spPr>
+          <a:xfrm>
+            <a:off x="4908987" y="2604411"/>
+            <a:ext cx="1371599" cy="723013"/>
+          </a:xfrm>
+          <a:prstGeom prst="snip1Rect">
+            <a:avLst>
+              <a:gd name="adj" fmla="val 17966"/>
+            </a:avLst>
+          </a:prstGeom>
+          <a:solidFill>
+            <a:schemeClr val="bg1">
+              <a:lumMod val="85000"/>
+            </a:schemeClr>
+          </a:solidFill>
+          <a:ln>
+            <a:noFill/>
+          </a:ln>
+        </p:spPr>
+        <p:style>
+          <a:lnRef idx="2">
+            <a:schemeClr val="accent1">
+              <a:shade val="50000"/>
+            </a:schemeClr>
+          </a:lnRef>
+          <a:fillRef idx="1">
+            <a:schemeClr val="accent1"/>
+          </a:fillRef>
+          <a:effectRef idx="0">
+            <a:schemeClr val="accent1"/>
+          </a:effectRef>
+          <a:fontRef idx="minor">
+            <a:schemeClr val="lt1"/>
+          </a:fontRef>
+        </p:style>
+        <p:txBody>
+          <a:bodyPr rtlCol="0" anchor="ctr"/>
+          <a:lstStyle/>
+          <a:p>
+            <a:pPr algn="ctr"/>
+            <a:r>
+              <a:rPr lang="zh-CN" altLang="en-US" sz="2000" dirty="0">
+                <a:solidFill>
+                  <a:sysClr val="windowText" lastClr="000000"/>
+                </a:solidFill>
+              </a:rPr>
+              <a:t>查看详情</a:t>
+            </a:r>
+          </a:p>
+        </p:txBody>
+      </p:sp>
+      <p:sp>
+        <p:nvSpPr>
+          <p:cNvPr id="42" name="矩形: 剪去单角 41">
+            <a:extLst>
+              <a:ext uri="{FF2B5EF4-FFF2-40B4-BE49-F238E27FC236}">
+                <a16:creationId xmlns:a16="http://schemas.microsoft.com/office/drawing/2014/main" id="{A9A33446-DD38-4B14-9DFC-D476129069CB}"/>
+              </a:ext>
+            </a:extLst>
+          </p:cNvPr>
+          <p:cNvSpPr/>
+          <p:nvPr/>
+        </p:nvSpPr>
+        <p:spPr>
+          <a:xfrm>
+            <a:off x="12193130" y="2573604"/>
+            <a:ext cx="1371599" cy="723013"/>
+          </a:xfrm>
+          <a:prstGeom prst="snip1Rect">
+            <a:avLst>
+              <a:gd name="adj" fmla="val 17966"/>
+            </a:avLst>
+          </a:prstGeom>
+          <a:solidFill>
+            <a:srgbClr val="D9D9D9"/>
+          </a:solidFill>
+          <a:ln>
+            <a:noFill/>
+          </a:ln>
+        </p:spPr>
+        <p:style>
+          <a:lnRef idx="2">
+            <a:schemeClr val="accent1">
+              <a:shade val="50000"/>
+            </a:schemeClr>
+          </a:lnRef>
+          <a:fillRef idx="1">
+            <a:schemeClr val="accent1"/>
+          </a:fillRef>
+          <a:effectRef idx="0">
+            <a:schemeClr val="accent1"/>
+          </a:effectRef>
+          <a:fontRef idx="minor">
+            <a:schemeClr val="lt1"/>
+          </a:fontRef>
+        </p:style>
+        <p:txBody>
+          <a:bodyPr rtlCol="0" anchor="ctr"/>
+          <a:lstStyle/>
+          <a:p>
+            <a:pPr algn="ctr"/>
+            <a:r>
+              <a:rPr lang="zh-CN" altLang="en-US" sz="2000" dirty="0">
+                <a:solidFill>
+                  <a:sysClr val="windowText" lastClr="000000"/>
+                </a:solidFill>
+              </a:rPr>
+              <a:t>取消报名</a:t>
+            </a:r>
+          </a:p>
+        </p:txBody>
+      </p:sp>
+      <p:sp>
+        <p:nvSpPr>
+          <p:cNvPr id="43" name="矩形: 剪去单角 42">
+            <a:extLst>
+              <a:ext uri="{FF2B5EF4-FFF2-40B4-BE49-F238E27FC236}">
+                <a16:creationId xmlns:a16="http://schemas.microsoft.com/office/drawing/2014/main" id="{B1E367ED-1E9E-4EC4-ABEA-2533679E1B98}"/>
+              </a:ext>
+            </a:extLst>
+          </p:cNvPr>
+          <p:cNvSpPr/>
+          <p:nvPr/>
+        </p:nvSpPr>
+        <p:spPr>
+          <a:xfrm>
+            <a:off x="14332934" y="6250343"/>
+            <a:ext cx="1371599" cy="723013"/>
+          </a:xfrm>
+          <a:prstGeom prst="snip1Rect">
+            <a:avLst>
+              <a:gd name="adj" fmla="val 17966"/>
+            </a:avLst>
+          </a:prstGeom>
+          <a:solidFill>
+            <a:srgbClr val="F27E9A"/>
+          </a:solidFill>
+          <a:ln>
+            <a:noFill/>
+          </a:ln>
+        </p:spPr>
+        <p:style>
+          <a:lnRef idx="2">
+            <a:schemeClr val="accent1">
+              <a:shade val="50000"/>
+            </a:schemeClr>
+          </a:lnRef>
+          <a:fillRef idx="1">
+            <a:schemeClr val="accent1"/>
+          </a:fillRef>
+          <a:effectRef idx="0">
+            <a:schemeClr val="accent1"/>
+          </a:effectRef>
+          <a:fontRef idx="minor">
+            <a:schemeClr val="lt1"/>
+          </a:fontRef>
+        </p:style>
+        <p:txBody>
+          <a:bodyPr rtlCol="0" anchor="ctr"/>
+          <a:lstStyle/>
+          <a:p>
+            <a:pPr algn="ctr"/>
+            <a:r>
+              <a:rPr lang="zh-CN" altLang="en-US" sz="2000" dirty="0">
+                <a:solidFill>
+                  <a:sysClr val="windowText" lastClr="000000"/>
+                </a:solidFill>
+              </a:rPr>
+              <a:t>活动奖励</a:t>
+            </a:r>
+          </a:p>
+        </p:txBody>
+      </p:sp>
+      <p:sp>
+        <p:nvSpPr>
+          <p:cNvPr id="44" name="矩形: 剪去单角 43">
+            <a:extLst>
+              <a:ext uri="{FF2B5EF4-FFF2-40B4-BE49-F238E27FC236}">
+                <a16:creationId xmlns:a16="http://schemas.microsoft.com/office/drawing/2014/main" id="{D5753681-111D-4BAA-BCFB-EEFD2BB8D486}"/>
+              </a:ext>
+            </a:extLst>
+          </p:cNvPr>
+          <p:cNvSpPr/>
+          <p:nvPr/>
+        </p:nvSpPr>
+        <p:spPr>
+          <a:xfrm>
+            <a:off x="16110933" y="6250343"/>
+            <a:ext cx="1371599" cy="723013"/>
+          </a:xfrm>
+          <a:prstGeom prst="snip1Rect">
+            <a:avLst>
+              <a:gd name="adj" fmla="val 17966"/>
+            </a:avLst>
+          </a:prstGeom>
+          <a:solidFill>
+            <a:srgbClr val="F27E9A"/>
+          </a:solidFill>
+          <a:ln>
+            <a:noFill/>
+          </a:ln>
+        </p:spPr>
+        <p:style>
+          <a:lnRef idx="2">
+            <a:schemeClr val="accent1">
+              <a:shade val="50000"/>
+            </a:schemeClr>
+          </a:lnRef>
+          <a:fillRef idx="1">
+            <a:schemeClr val="accent1"/>
+          </a:fillRef>
+          <a:effectRef idx="0">
+            <a:schemeClr val="accent1"/>
+          </a:effectRef>
+          <a:fontRef idx="minor">
+            <a:schemeClr val="lt1"/>
+          </a:fontRef>
+        </p:style>
+        <p:txBody>
+          <a:bodyPr rtlCol="0" anchor="ctr"/>
+          <a:lstStyle/>
+          <a:p>
+            <a:pPr algn="ctr"/>
+            <a:r>
+              <a:rPr lang="zh-CN" altLang="en-US" sz="2000" dirty="0">
+                <a:solidFill>
+                  <a:sysClr val="windowText" lastClr="000000"/>
+                </a:solidFill>
+              </a:rPr>
+              <a:t>查看信用</a:t>
+            </a:r>
+          </a:p>
+        </p:txBody>
+      </p:sp>
+      <p:sp>
+        <p:nvSpPr>
+          <p:cNvPr id="45" name="矩形: 剪去单角 44">
+            <a:extLst>
+              <a:ext uri="{FF2B5EF4-FFF2-40B4-BE49-F238E27FC236}">
+                <a16:creationId xmlns:a16="http://schemas.microsoft.com/office/drawing/2014/main" id="{9FFFFF4B-3ED5-4641-9A3E-C490E1FF46DE}"/>
+              </a:ext>
+            </a:extLst>
+          </p:cNvPr>
+          <p:cNvSpPr/>
+          <p:nvPr/>
+        </p:nvSpPr>
+        <p:spPr>
+          <a:xfrm>
+            <a:off x="14332934" y="7294943"/>
+            <a:ext cx="1371599" cy="723013"/>
+          </a:xfrm>
+          <a:prstGeom prst="snip1Rect">
+            <a:avLst>
+              <a:gd name="adj" fmla="val 17966"/>
+            </a:avLst>
+          </a:prstGeom>
+          <a:solidFill>
+            <a:srgbClr val="F27E9A"/>
+          </a:solidFill>
+          <a:ln>
+            <a:noFill/>
+          </a:ln>
+        </p:spPr>
+        <p:style>
+          <a:lnRef idx="2">
+            <a:schemeClr val="accent1">
+              <a:shade val="50000"/>
+            </a:schemeClr>
+          </a:lnRef>
+          <a:fillRef idx="1">
+            <a:schemeClr val="accent1"/>
+          </a:fillRef>
+          <a:effectRef idx="0">
+            <a:schemeClr val="accent1"/>
+          </a:effectRef>
+          <a:fontRef idx="minor">
+            <a:schemeClr val="lt1"/>
+          </a:fontRef>
+        </p:style>
+        <p:txBody>
+          <a:bodyPr rtlCol="0" anchor="ctr"/>
+          <a:lstStyle/>
+          <a:p>
+            <a:pPr algn="ctr"/>
+            <a:r>
+              <a:rPr lang="zh-CN" altLang="en-US" sz="2000" dirty="0">
+                <a:solidFill>
+                  <a:sysClr val="windowText" lastClr="000000"/>
+                </a:solidFill>
+              </a:rPr>
+              <a:t>历史记录</a:t>
+            </a:r>
+          </a:p>
+        </p:txBody>
+      </p:sp>
+      <p:sp>
+        <p:nvSpPr>
+          <p:cNvPr id="46" name="矩形: 剪去单角 45">
+            <a:extLst>
+              <a:ext uri="{FF2B5EF4-FFF2-40B4-BE49-F238E27FC236}">
+                <a16:creationId xmlns:a16="http://schemas.microsoft.com/office/drawing/2014/main" id="{0B139394-507F-4D8B-8E57-C7B3401735CD}"/>
+              </a:ext>
+            </a:extLst>
+          </p:cNvPr>
+          <p:cNvSpPr/>
+          <p:nvPr/>
+        </p:nvSpPr>
+        <p:spPr>
+          <a:xfrm>
+            <a:off x="14332934" y="5008444"/>
+            <a:ext cx="1371599" cy="723013"/>
+          </a:xfrm>
+          <a:prstGeom prst="snip1Rect">
+            <a:avLst>
+              <a:gd name="adj" fmla="val 17966"/>
+            </a:avLst>
+          </a:prstGeom>
+          <a:solidFill>
+            <a:schemeClr val="accent2">
+              <a:lumMod val="60000"/>
+              <a:lumOff val="40000"/>
+            </a:schemeClr>
+          </a:solidFill>
+          <a:ln>
+            <a:noFill/>
+          </a:ln>
+        </p:spPr>
+        <p:style>
+          <a:lnRef idx="2">
+            <a:schemeClr val="accent1">
+              <a:shade val="50000"/>
+            </a:schemeClr>
+          </a:lnRef>
+          <a:fillRef idx="1">
+            <a:schemeClr val="accent1"/>
+          </a:fillRef>
+          <a:effectRef idx="0">
+            <a:schemeClr val="accent1"/>
+          </a:effectRef>
+          <a:fontRef idx="minor">
+            <a:schemeClr val="lt1"/>
+          </a:fontRef>
+        </p:style>
+        <p:txBody>
+          <a:bodyPr rtlCol="0" anchor="ctr"/>
+          <a:lstStyle/>
+          <a:p>
+            <a:pPr algn="ctr"/>
+            <a:r>
+              <a:rPr lang="zh-CN" altLang="en-US" sz="2000" dirty="0">
+                <a:solidFill>
+                  <a:sysClr val="windowText" lastClr="000000"/>
+                </a:solidFill>
+              </a:rPr>
+              <a:t>意见反馈</a:t>
+            </a:r>
+          </a:p>
+        </p:txBody>
+      </p:sp>
+      <p:sp>
+        <p:nvSpPr>
+          <p:cNvPr id="47" name="矩形: 剪去单角 46">
+            <a:extLst>
+              <a:ext uri="{FF2B5EF4-FFF2-40B4-BE49-F238E27FC236}">
+                <a16:creationId xmlns:a16="http://schemas.microsoft.com/office/drawing/2014/main" id="{6438979B-AA44-41D3-9752-5A638F9792F0}"/>
+              </a:ext>
+            </a:extLst>
+          </p:cNvPr>
+          <p:cNvSpPr/>
+          <p:nvPr/>
+        </p:nvSpPr>
+        <p:spPr>
+          <a:xfrm>
+            <a:off x="3109530" y="5960014"/>
+            <a:ext cx="1371599" cy="723013"/>
+          </a:xfrm>
+          <a:prstGeom prst="snip1Rect">
+            <a:avLst>
+              <a:gd name="adj" fmla="val 17966"/>
+            </a:avLst>
+          </a:prstGeom>
+          <a:solidFill>
+            <a:srgbClr val="F27E9A"/>
+          </a:solidFill>
+          <a:ln>
+            <a:noFill/>
+          </a:ln>
+        </p:spPr>
+        <p:style>
+          <a:lnRef idx="2">
+            <a:schemeClr val="accent1">
+              <a:shade val="50000"/>
+            </a:schemeClr>
+          </a:lnRef>
+          <a:fillRef idx="1">
+            <a:schemeClr val="accent1"/>
+          </a:fillRef>
+          <a:effectRef idx="0">
+            <a:schemeClr val="accent1"/>
+          </a:effectRef>
+          <a:fontRef idx="minor">
+            <a:schemeClr val="lt1"/>
+          </a:fontRef>
+        </p:style>
+        <p:txBody>
+          <a:bodyPr rtlCol="0" anchor="ctr"/>
+          <a:lstStyle/>
+          <a:p>
+            <a:pPr algn="ctr"/>
+            <a:r>
+              <a:rPr lang="zh-CN" altLang="en-US" sz="2000" dirty="0">
+                <a:solidFill>
+                  <a:sysClr val="windowText" lastClr="000000"/>
+                </a:solidFill>
+              </a:rPr>
+              <a:t>搜索活动</a:t>
+            </a:r>
+          </a:p>
+        </p:txBody>
+      </p:sp>
+      <p:sp>
+        <p:nvSpPr>
+          <p:cNvPr id="48" name="矩形: 剪去单角 47">
+            <a:extLst>
+              <a:ext uri="{FF2B5EF4-FFF2-40B4-BE49-F238E27FC236}">
+                <a16:creationId xmlns:a16="http://schemas.microsoft.com/office/drawing/2014/main" id="{26FFAF44-869E-49DA-9F10-D8A39B7FFB99}"/>
+              </a:ext>
+            </a:extLst>
+          </p:cNvPr>
+          <p:cNvSpPr/>
+          <p:nvPr/>
+        </p:nvSpPr>
+        <p:spPr>
+          <a:xfrm>
+            <a:off x="10076367" y="6250342"/>
+            <a:ext cx="1371599" cy="723013"/>
+          </a:xfrm>
+          <a:prstGeom prst="snip1Rect">
+            <a:avLst>
+              <a:gd name="adj" fmla="val 17966"/>
+            </a:avLst>
+          </a:prstGeom>
+          <a:solidFill>
+            <a:srgbClr val="F27E9A"/>
+          </a:solidFill>
+          <a:ln>
+            <a:noFill/>
+          </a:ln>
+        </p:spPr>
+        <p:style>
+          <a:lnRef idx="2">
+            <a:schemeClr val="accent1">
+              <a:shade val="50000"/>
+            </a:schemeClr>
+          </a:lnRef>
+          <a:fillRef idx="1">
+            <a:schemeClr val="accent1"/>
+          </a:fillRef>
+          <a:effectRef idx="0">
+            <a:schemeClr val="accent1"/>
+          </a:effectRef>
+          <a:fontRef idx="minor">
+            <a:schemeClr val="lt1"/>
+          </a:fontRef>
+        </p:style>
+        <p:txBody>
+          <a:bodyPr rtlCol="0" anchor="ctr"/>
+          <a:lstStyle/>
+          <a:p>
+            <a:pPr algn="ctr"/>
+            <a:r>
+              <a:rPr lang="zh-CN" altLang="en-US" sz="2000" dirty="0">
+                <a:solidFill>
+                  <a:sysClr val="windowText" lastClr="000000"/>
+                </a:solidFill>
+              </a:rPr>
+              <a:t>活动提醒</a:t>
+            </a:r>
+          </a:p>
+        </p:txBody>
+      </p:sp>
+      <p:sp>
+        <p:nvSpPr>
+          <p:cNvPr id="49" name="矩形: 剪去单角 48">
+            <a:extLst>
+              <a:ext uri="{FF2B5EF4-FFF2-40B4-BE49-F238E27FC236}">
+                <a16:creationId xmlns:a16="http://schemas.microsoft.com/office/drawing/2014/main" id="{84157B93-4C03-44F0-9F7A-F3E4715013A8}"/>
+              </a:ext>
+            </a:extLst>
+          </p:cNvPr>
+          <p:cNvSpPr/>
+          <p:nvPr/>
+        </p:nvSpPr>
+        <p:spPr>
+          <a:xfrm>
+            <a:off x="10076366" y="7294943"/>
+            <a:ext cx="1371599" cy="723013"/>
+          </a:xfrm>
+          <a:prstGeom prst="snip1Rect">
+            <a:avLst>
+              <a:gd name="adj" fmla="val 17966"/>
+            </a:avLst>
+          </a:prstGeom>
+          <a:solidFill>
+            <a:srgbClr val="F27E9A"/>
+          </a:solidFill>
+          <a:ln>
+            <a:noFill/>
+          </a:ln>
+        </p:spPr>
+        <p:style>
+          <a:lnRef idx="2">
+            <a:schemeClr val="accent1">
+              <a:shade val="50000"/>
+            </a:schemeClr>
+          </a:lnRef>
+          <a:fillRef idx="1">
+            <a:schemeClr val="accent1"/>
+          </a:fillRef>
+          <a:effectRef idx="0">
+            <a:schemeClr val="accent1"/>
+          </a:effectRef>
+          <a:fontRef idx="minor">
+            <a:schemeClr val="lt1"/>
+          </a:fontRef>
+        </p:style>
+        <p:txBody>
+          <a:bodyPr rtlCol="0" anchor="ctr"/>
+          <a:lstStyle/>
+          <a:p>
+            <a:pPr algn="ctr"/>
+            <a:r>
+              <a:rPr lang="zh-CN" altLang="en-US" sz="2000" dirty="0">
+                <a:solidFill>
+                  <a:sysClr val="windowText" lastClr="000000"/>
+                </a:solidFill>
+              </a:rPr>
               <a:t>冲突提醒</a:t>
             </a:r>
           </a:p>
         </p:txBody>
       </p:sp>
+      <p:sp>
+        <p:nvSpPr>
+          <p:cNvPr id="50" name="矩形: 剪去单角 49">
+            <a:extLst>
+              <a:ext uri="{FF2B5EF4-FFF2-40B4-BE49-F238E27FC236}">
+                <a16:creationId xmlns:a16="http://schemas.microsoft.com/office/drawing/2014/main" id="{BCBEC9AD-F9D5-458D-B167-B1A9CCEF72B1}"/>
+              </a:ext>
+            </a:extLst>
+          </p:cNvPr>
+          <p:cNvSpPr/>
+          <p:nvPr/>
+        </p:nvSpPr>
+        <p:spPr>
+          <a:xfrm>
+            <a:off x="6627717" y="3718286"/>
+            <a:ext cx="1371599" cy="723013"/>
+          </a:xfrm>
+          <a:prstGeom prst="snip1Rect">
+            <a:avLst>
+              <a:gd name="adj" fmla="val 17966"/>
+            </a:avLst>
+          </a:prstGeom>
+          <a:solidFill>
+            <a:srgbClr val="FFE699"/>
+          </a:solidFill>
+          <a:ln>
+            <a:noFill/>
+          </a:ln>
+        </p:spPr>
+        <p:style>
+          <a:lnRef idx="2">
+            <a:schemeClr val="accent1">
+              <a:shade val="50000"/>
+            </a:schemeClr>
+          </a:lnRef>
+          <a:fillRef idx="1">
+            <a:schemeClr val="accent1"/>
+          </a:fillRef>
+          <a:effectRef idx="0">
+            <a:schemeClr val="accent1"/>
+          </a:effectRef>
+          <a:fontRef idx="minor">
+            <a:schemeClr val="lt1"/>
+          </a:fontRef>
+        </p:style>
+        <p:txBody>
+          <a:bodyPr rtlCol="0" anchor="ctr"/>
+          <a:lstStyle/>
+          <a:p>
+            <a:pPr algn="ctr"/>
+            <a:r>
+              <a:rPr lang="zh-CN" altLang="en-US" sz="2000" dirty="0">
+                <a:solidFill>
+                  <a:sysClr val="windowText" lastClr="000000"/>
+                </a:solidFill>
+              </a:rPr>
+              <a:t>聊天</a:t>
+            </a:r>
+          </a:p>
+        </p:txBody>
+      </p:sp>
+      <p:sp>
+        <p:nvSpPr>
+          <p:cNvPr id="51" name="矩形: 剪去单角 50">
+            <a:extLst>
+              <a:ext uri="{FF2B5EF4-FFF2-40B4-BE49-F238E27FC236}">
+                <a16:creationId xmlns:a16="http://schemas.microsoft.com/office/drawing/2014/main" id="{804798E2-9471-4323-8088-3E155E7D8DF2}"/>
+              </a:ext>
+            </a:extLst>
+          </p:cNvPr>
+          <p:cNvSpPr/>
+          <p:nvPr/>
+        </p:nvSpPr>
+        <p:spPr>
+          <a:xfrm>
+            <a:off x="6627717" y="4813098"/>
+            <a:ext cx="1371599" cy="723013"/>
+          </a:xfrm>
+          <a:prstGeom prst="snip1Rect">
+            <a:avLst>
+              <a:gd name="adj" fmla="val 17966"/>
+            </a:avLst>
+          </a:prstGeom>
+          <a:solidFill>
+            <a:schemeClr val="accent2">
+              <a:lumMod val="60000"/>
+              <a:lumOff val="40000"/>
+            </a:schemeClr>
+          </a:solidFill>
+          <a:ln>
+            <a:noFill/>
+          </a:ln>
+        </p:spPr>
+        <p:style>
+          <a:lnRef idx="2">
+            <a:schemeClr val="accent1">
+              <a:shade val="50000"/>
+            </a:schemeClr>
+          </a:lnRef>
+          <a:fillRef idx="1">
+            <a:schemeClr val="accent1"/>
+          </a:fillRef>
+          <a:effectRef idx="0">
+            <a:schemeClr val="accent1"/>
+          </a:effectRef>
+          <a:fontRef idx="minor">
+            <a:schemeClr val="lt1"/>
+          </a:fontRef>
+        </p:style>
+        <p:txBody>
+          <a:bodyPr rtlCol="0" anchor="ctr"/>
+          <a:lstStyle/>
+          <a:p>
+            <a:pPr algn="ctr"/>
+            <a:r>
+              <a:rPr lang="zh-CN" altLang="en-US" sz="2000" dirty="0">
+                <a:solidFill>
+                  <a:sysClr val="windowText" lastClr="000000"/>
+                </a:solidFill>
+              </a:rPr>
+              <a:t>匿名</a:t>
+            </a:r>
+            <a:endParaRPr lang="en-US" altLang="zh-CN" sz="2000" dirty="0">
+              <a:solidFill>
+                <a:sysClr val="windowText" lastClr="000000"/>
+              </a:solidFill>
+            </a:endParaRPr>
+          </a:p>
+          <a:p>
+            <a:pPr algn="ctr"/>
+            <a:r>
+              <a:rPr lang="en-US" altLang="zh-CN" sz="2000" dirty="0">
+                <a:solidFill>
+                  <a:sysClr val="windowText" lastClr="000000"/>
+                </a:solidFill>
+              </a:rPr>
+              <a:t>&amp;</a:t>
+            </a:r>
+            <a:r>
+              <a:rPr lang="zh-CN" altLang="en-US" sz="2000" dirty="0">
+                <a:solidFill>
+                  <a:sysClr val="windowText" lastClr="000000"/>
+                </a:solidFill>
+              </a:rPr>
+              <a:t>取匿</a:t>
+            </a:r>
+          </a:p>
+        </p:txBody>
+      </p:sp>
+      <p:sp>
+        <p:nvSpPr>
+          <p:cNvPr id="52" name="矩形: 剪去单角 51">
+            <a:extLst>
+              <a:ext uri="{FF2B5EF4-FFF2-40B4-BE49-F238E27FC236}">
+                <a16:creationId xmlns:a16="http://schemas.microsoft.com/office/drawing/2014/main" id="{F4096B39-02C8-4968-B67E-3DA31A5CC236}"/>
+              </a:ext>
+            </a:extLst>
+          </p:cNvPr>
+          <p:cNvSpPr/>
+          <p:nvPr/>
+        </p:nvSpPr>
+        <p:spPr>
+          <a:xfrm>
+            <a:off x="10076366" y="2609720"/>
+            <a:ext cx="1371599" cy="723013"/>
+          </a:xfrm>
+          <a:prstGeom prst="snip1Rect">
+            <a:avLst>
+              <a:gd name="adj" fmla="val 17966"/>
+            </a:avLst>
+          </a:prstGeom>
+          <a:solidFill>
+            <a:srgbClr val="D9D9D9"/>
+          </a:solidFill>
+          <a:ln>
+            <a:noFill/>
+          </a:ln>
+        </p:spPr>
+        <p:style>
+          <a:lnRef idx="2">
+            <a:schemeClr val="accent1">
+              <a:shade val="50000"/>
+            </a:schemeClr>
+          </a:lnRef>
+          <a:fillRef idx="1">
+            <a:schemeClr val="accent1"/>
+          </a:fillRef>
+          <a:effectRef idx="0">
+            <a:schemeClr val="accent1"/>
+          </a:effectRef>
+          <a:fontRef idx="minor">
+            <a:schemeClr val="lt1"/>
+          </a:fontRef>
+        </p:style>
+        <p:txBody>
+          <a:bodyPr rtlCol="0" anchor="ctr"/>
+          <a:lstStyle/>
+          <a:p>
+            <a:pPr algn="ctr"/>
+            <a:r>
+              <a:rPr lang="zh-CN" altLang="en-US" sz="2000" dirty="0">
+                <a:solidFill>
+                  <a:sysClr val="windowText" lastClr="000000"/>
+                </a:solidFill>
+              </a:rPr>
+              <a:t>被动确认</a:t>
+            </a:r>
+          </a:p>
+        </p:txBody>
+      </p:sp>
+      <p:sp>
+        <p:nvSpPr>
+          <p:cNvPr id="53" name="矩形: 剪去单角 52">
+            <a:extLst>
+              <a:ext uri="{FF2B5EF4-FFF2-40B4-BE49-F238E27FC236}">
+                <a16:creationId xmlns:a16="http://schemas.microsoft.com/office/drawing/2014/main" id="{0600061E-97B5-46C9-A32C-4022A5E35631}"/>
+              </a:ext>
+            </a:extLst>
+          </p:cNvPr>
+          <p:cNvSpPr/>
+          <p:nvPr/>
+        </p:nvSpPr>
+        <p:spPr>
+          <a:xfrm>
+            <a:off x="10076366" y="3850862"/>
+            <a:ext cx="1371599" cy="723013"/>
+          </a:xfrm>
+          <a:prstGeom prst="snip1Rect">
+            <a:avLst>
+              <a:gd name="adj" fmla="val 17966"/>
+            </a:avLst>
+          </a:prstGeom>
+          <a:solidFill>
+            <a:srgbClr val="FFE699"/>
+          </a:solidFill>
+          <a:ln>
+            <a:noFill/>
+          </a:ln>
+        </p:spPr>
+        <p:style>
+          <a:lnRef idx="2">
+            <a:schemeClr val="accent1">
+              <a:shade val="50000"/>
+            </a:schemeClr>
+          </a:lnRef>
+          <a:fillRef idx="1">
+            <a:schemeClr val="accent1"/>
+          </a:fillRef>
+          <a:effectRef idx="0">
+            <a:schemeClr val="accent1"/>
+          </a:effectRef>
+          <a:fontRef idx="minor">
+            <a:schemeClr val="lt1"/>
+          </a:fontRef>
+        </p:style>
+        <p:txBody>
+          <a:bodyPr rtlCol="0" anchor="ctr"/>
+          <a:lstStyle/>
+          <a:p>
+            <a:pPr algn="ctr"/>
+            <a:r>
+              <a:rPr lang="zh-CN" altLang="en-US" sz="2000" dirty="0">
+                <a:solidFill>
+                  <a:sysClr val="windowText" lastClr="000000"/>
+                </a:solidFill>
+              </a:rPr>
+              <a:t>双向确认</a:t>
+            </a:r>
+          </a:p>
+        </p:txBody>
+      </p:sp>
+      <p:sp>
+        <p:nvSpPr>
+          <p:cNvPr id="54" name="矩形: 剪去单角 53">
+            <a:extLst>
+              <a:ext uri="{FF2B5EF4-FFF2-40B4-BE49-F238E27FC236}">
+                <a16:creationId xmlns:a16="http://schemas.microsoft.com/office/drawing/2014/main" id="{6623A066-7665-4D94-A2B4-3F98F6B4B45E}"/>
+              </a:ext>
+            </a:extLst>
+          </p:cNvPr>
+          <p:cNvSpPr/>
+          <p:nvPr/>
+        </p:nvSpPr>
+        <p:spPr>
+          <a:xfrm>
+            <a:off x="6653169" y="2604411"/>
+            <a:ext cx="1371599" cy="723013"/>
+          </a:xfrm>
+          <a:prstGeom prst="snip1Rect">
+            <a:avLst>
+              <a:gd name="adj" fmla="val 17966"/>
+            </a:avLst>
+          </a:prstGeom>
+          <a:solidFill>
+            <a:srgbClr val="D9D9D9"/>
+          </a:solidFill>
+          <a:ln>
+            <a:noFill/>
+          </a:ln>
+        </p:spPr>
+        <p:style>
+          <a:lnRef idx="2">
+            <a:schemeClr val="accent1">
+              <a:shade val="50000"/>
+            </a:schemeClr>
+          </a:lnRef>
+          <a:fillRef idx="1">
+            <a:schemeClr val="accent1"/>
+          </a:fillRef>
+          <a:effectRef idx="0">
+            <a:schemeClr val="accent1"/>
+          </a:effectRef>
+          <a:fontRef idx="minor">
+            <a:schemeClr val="lt1"/>
+          </a:fontRef>
+        </p:style>
+        <p:txBody>
+          <a:bodyPr rtlCol="0" anchor="ctr"/>
+          <a:lstStyle/>
+          <a:p>
+            <a:pPr algn="ctr"/>
+            <a:r>
+              <a:rPr lang="zh-CN" altLang="en-US" sz="2000" dirty="0">
+                <a:solidFill>
+                  <a:sysClr val="windowText" lastClr="000000"/>
+                </a:solidFill>
+              </a:rPr>
+              <a:t>直接报名</a:t>
+            </a:r>
+          </a:p>
+        </p:txBody>
+      </p:sp>
+      <p:sp>
+        <p:nvSpPr>
+          <p:cNvPr id="55" name="矩形: 剪去单角 54">
+            <a:extLst>
+              <a:ext uri="{FF2B5EF4-FFF2-40B4-BE49-F238E27FC236}">
+                <a16:creationId xmlns:a16="http://schemas.microsoft.com/office/drawing/2014/main" id="{6A5FC4F2-3A02-4AD3-AE49-085910DD9860}"/>
+              </a:ext>
+            </a:extLst>
+          </p:cNvPr>
+          <p:cNvSpPr/>
+          <p:nvPr/>
+        </p:nvSpPr>
+        <p:spPr>
+          <a:xfrm>
+            <a:off x="4908987" y="3778623"/>
+            <a:ext cx="1371599" cy="723013"/>
+          </a:xfrm>
+          <a:prstGeom prst="snip1Rect">
+            <a:avLst>
+              <a:gd name="adj" fmla="val 17966"/>
+            </a:avLst>
+          </a:prstGeom>
+          <a:solidFill>
+            <a:srgbClr val="FFE699"/>
+          </a:solidFill>
+          <a:ln>
+            <a:noFill/>
+          </a:ln>
+        </p:spPr>
+        <p:style>
+          <a:lnRef idx="2">
+            <a:schemeClr val="accent1">
+              <a:shade val="50000"/>
+            </a:schemeClr>
+          </a:lnRef>
+          <a:fillRef idx="1">
+            <a:schemeClr val="accent1"/>
+          </a:fillRef>
+          <a:effectRef idx="0">
+            <a:schemeClr val="accent1"/>
+          </a:effectRef>
+          <a:fontRef idx="minor">
+            <a:schemeClr val="lt1"/>
+          </a:fontRef>
+        </p:style>
+        <p:txBody>
+          <a:bodyPr rtlCol="0" anchor="ctr"/>
+          <a:lstStyle/>
+          <a:p>
+            <a:pPr algn="ctr"/>
+            <a:r>
+              <a:rPr lang="zh-CN" altLang="en-US" sz="2000" dirty="0">
+                <a:solidFill>
+                  <a:sysClr val="windowText" lastClr="000000"/>
+                </a:solidFill>
+              </a:rPr>
+              <a:t>留下痕迹</a:t>
+            </a:r>
+          </a:p>
+        </p:txBody>
+      </p:sp>
+      <p:cxnSp>
+        <p:nvCxnSpPr>
+          <p:cNvPr id="56" name="直接连接符 55">
+            <a:extLst>
+              <a:ext uri="{FF2B5EF4-FFF2-40B4-BE49-F238E27FC236}">
+                <a16:creationId xmlns:a16="http://schemas.microsoft.com/office/drawing/2014/main" id="{49BE6539-084D-44EC-840A-0D0A44F0A6D1}"/>
+              </a:ext>
+            </a:extLst>
+          </p:cNvPr>
+          <p:cNvCxnSpPr/>
+          <p:nvPr/>
+        </p:nvCxnSpPr>
+        <p:spPr>
+          <a:xfrm>
+            <a:off x="700391" y="2393004"/>
+            <a:ext cx="16634298" cy="0"/>
+          </a:xfrm>
+          <a:prstGeom prst="line">
+            <a:avLst/>
+          </a:prstGeom>
+          <a:ln w="19050">
+            <a:prstDash val="lgDash"/>
+          </a:ln>
+        </p:spPr>
+        <p:style>
+          <a:lnRef idx="1">
+            <a:schemeClr val="accent1"/>
+          </a:lnRef>
+          <a:fillRef idx="0">
+            <a:schemeClr val="accent1"/>
+          </a:fillRef>
+          <a:effectRef idx="0">
+            <a:schemeClr val="accent1"/>
+          </a:effectRef>
+          <a:fontRef idx="minor">
+            <a:schemeClr val="tx1"/>
+          </a:fontRef>
+        </p:style>
+      </p:cxnSp>
     </p:spTree>
     <p:extLst>
       <p:ext uri="{BB962C8B-B14F-4D97-AF65-F5344CB8AC3E}">

--- a/doc/用户故事地图.pptx
+++ b/doc/用户故事地图.pptx
@@ -5633,67 +5633,6 @@
       </p:sp>
       <p:sp>
         <p:nvSpPr>
-          <p:cNvPr id="29" name="矩形: 剪去单角 28">
-            <a:extLst>
-              <a:ext uri="{FF2B5EF4-FFF2-40B4-BE49-F238E27FC236}">
-                <a16:creationId xmlns:a16="http://schemas.microsoft.com/office/drawing/2014/main" id="{4B97019D-62A8-4931-97C4-41E58D911555}"/>
-              </a:ext>
-            </a:extLst>
-          </p:cNvPr>
-          <p:cNvSpPr/>
-          <p:nvPr/>
-        </p:nvSpPr>
-        <p:spPr>
-          <a:xfrm>
-            <a:off x="3109530" y="6018378"/>
-            <a:ext cx="1371599" cy="723013"/>
-          </a:xfrm>
-          <a:prstGeom prst="snip1Rect">
-            <a:avLst>
-              <a:gd name="adj" fmla="val 17966"/>
-            </a:avLst>
-          </a:prstGeom>
-          <a:solidFill>
-            <a:srgbClr val="F27E9A"/>
-          </a:solidFill>
-          <a:ln>
-            <a:noFill/>
-          </a:ln>
-        </p:spPr>
-        <p:style>
-          <a:lnRef idx="2">
-            <a:schemeClr val="accent1">
-              <a:shade val="50000"/>
-            </a:schemeClr>
-          </a:lnRef>
-          <a:fillRef idx="1">
-            <a:schemeClr val="accent1"/>
-          </a:fillRef>
-          <a:effectRef idx="0">
-            <a:schemeClr val="accent1"/>
-          </a:effectRef>
-          <a:fontRef idx="minor">
-            <a:schemeClr val="lt1"/>
-          </a:fontRef>
-        </p:style>
-        <p:txBody>
-          <a:bodyPr rtlCol="0" anchor="ctr"/>
-          <a:lstStyle/>
-          <a:p>
-            <a:pPr algn="ctr"/>
-            <a:r>
-              <a:rPr lang="zh-CN" altLang="en-US" sz="2000" dirty="0">
-                <a:solidFill>
-                  <a:sysClr val="windowText" lastClr="000000"/>
-                </a:solidFill>
-              </a:rPr>
-              <a:t>搜索活动</a:t>
-            </a:r>
-          </a:p>
-        </p:txBody>
-      </p:sp>
-      <p:sp>
-        <p:nvSpPr>
           <p:cNvPr id="33" name="矩形: 剪去单角 32">
             <a:extLst>
               <a:ext uri="{FF2B5EF4-FFF2-40B4-BE49-F238E27FC236}">
@@ -6185,6 +6124,70 @@
           </a:fontRef>
         </p:style>
       </p:cxnSp>
+      <p:sp>
+        <p:nvSpPr>
+          <p:cNvPr id="31" name="矩形: 剪去单角 30">
+            <a:extLst>
+              <a:ext uri="{FF2B5EF4-FFF2-40B4-BE49-F238E27FC236}">
+                <a16:creationId xmlns:a16="http://schemas.microsoft.com/office/drawing/2014/main" id="{E4400BCB-546C-4864-8CC3-AA6836EB717E}"/>
+              </a:ext>
+            </a:extLst>
+          </p:cNvPr>
+          <p:cNvSpPr/>
+          <p:nvPr/>
+        </p:nvSpPr>
+        <p:spPr>
+          <a:xfrm>
+            <a:off x="3104948" y="4871462"/>
+            <a:ext cx="1371599" cy="723013"/>
+          </a:xfrm>
+          <a:prstGeom prst="snip1Rect">
+            <a:avLst>
+              <a:gd name="adj" fmla="val 17966"/>
+            </a:avLst>
+          </a:prstGeom>
+          <a:solidFill>
+            <a:schemeClr val="accent2">
+              <a:lumMod val="60000"/>
+              <a:lumOff val="40000"/>
+            </a:schemeClr>
+          </a:solidFill>
+          <a:ln>
+            <a:noFill/>
+          </a:ln>
+        </p:spPr>
+        <p:style>
+          <a:lnRef idx="2">
+            <a:schemeClr val="accent1">
+              <a:shade val="50000"/>
+            </a:schemeClr>
+          </a:lnRef>
+          <a:fillRef idx="1">
+            <a:schemeClr val="accent1"/>
+          </a:fillRef>
+          <a:effectRef idx="0">
+            <a:schemeClr val="accent1"/>
+          </a:effectRef>
+          <a:fontRef idx="minor">
+            <a:schemeClr val="lt1"/>
+          </a:fontRef>
+        </p:style>
+        <p:txBody>
+          <a:bodyPr rtlCol="0" anchor="ctr"/>
+          <a:lstStyle/>
+          <a:p>
+            <a:pPr algn="ctr"/>
+            <a:r>
+              <a:rPr lang="zh-CN" altLang="en-US" sz="2000" dirty="0">
+                <a:solidFill>
+                  <a:sysClr val="windowText" lastClr="000000"/>
+                </a:solidFill>
+              </a:rPr>
+              <a:t>最热活动</a:t>
+            </a:r>
+          </a:p>
+        </p:txBody>
+      </p:sp>
     </p:spTree>
     <p:extLst>
       <p:ext uri="{BB962C8B-B14F-4D97-AF65-F5344CB8AC3E}">
@@ -7254,67 +7257,6 @@
       </p:sp>
       <p:sp>
         <p:nvSpPr>
-          <p:cNvPr id="47" name="矩形: 剪去单角 46">
-            <a:extLst>
-              <a:ext uri="{FF2B5EF4-FFF2-40B4-BE49-F238E27FC236}">
-                <a16:creationId xmlns:a16="http://schemas.microsoft.com/office/drawing/2014/main" id="{6438979B-AA44-41D3-9752-5A638F9792F0}"/>
-              </a:ext>
-            </a:extLst>
-          </p:cNvPr>
-          <p:cNvSpPr/>
-          <p:nvPr/>
-        </p:nvSpPr>
-        <p:spPr>
-          <a:xfrm>
-            <a:off x="3109530" y="5960014"/>
-            <a:ext cx="1371599" cy="723013"/>
-          </a:xfrm>
-          <a:prstGeom prst="snip1Rect">
-            <a:avLst>
-              <a:gd name="adj" fmla="val 17966"/>
-            </a:avLst>
-          </a:prstGeom>
-          <a:solidFill>
-            <a:srgbClr val="F27E9A"/>
-          </a:solidFill>
-          <a:ln>
-            <a:noFill/>
-          </a:ln>
-        </p:spPr>
-        <p:style>
-          <a:lnRef idx="2">
-            <a:schemeClr val="accent1">
-              <a:shade val="50000"/>
-            </a:schemeClr>
-          </a:lnRef>
-          <a:fillRef idx="1">
-            <a:schemeClr val="accent1"/>
-          </a:fillRef>
-          <a:effectRef idx="0">
-            <a:schemeClr val="accent1"/>
-          </a:effectRef>
-          <a:fontRef idx="minor">
-            <a:schemeClr val="lt1"/>
-          </a:fontRef>
-        </p:style>
-        <p:txBody>
-          <a:bodyPr rtlCol="0" anchor="ctr"/>
-          <a:lstStyle/>
-          <a:p>
-            <a:pPr algn="ctr"/>
-            <a:r>
-              <a:rPr lang="zh-CN" altLang="en-US" sz="2000" dirty="0">
-                <a:solidFill>
-                  <a:sysClr val="windowText" lastClr="000000"/>
-                </a:solidFill>
-              </a:rPr>
-              <a:t>搜索活动</a:t>
-            </a:r>
-          </a:p>
-        </p:txBody>
-      </p:sp>
-      <p:sp>
-        <p:nvSpPr>
           <p:cNvPr id="48" name="矩形: 剪去单角 47">
             <a:extLst>
               <a:ext uri="{FF2B5EF4-FFF2-40B4-BE49-F238E27FC236}">
@@ -7867,6 +7809,70 @@
           </a:fontRef>
         </p:style>
       </p:cxnSp>
+      <p:sp>
+        <p:nvSpPr>
+          <p:cNvPr id="33" name="矩形: 剪去单角 32">
+            <a:extLst>
+              <a:ext uri="{FF2B5EF4-FFF2-40B4-BE49-F238E27FC236}">
+                <a16:creationId xmlns:a16="http://schemas.microsoft.com/office/drawing/2014/main" id="{0A6BB45E-B693-473B-B994-32464914F52A}"/>
+              </a:ext>
+            </a:extLst>
+          </p:cNvPr>
+          <p:cNvSpPr/>
+          <p:nvPr/>
+        </p:nvSpPr>
+        <p:spPr>
+          <a:xfrm>
+            <a:off x="3104948" y="4813098"/>
+            <a:ext cx="1371599" cy="723013"/>
+          </a:xfrm>
+          <a:prstGeom prst="snip1Rect">
+            <a:avLst>
+              <a:gd name="adj" fmla="val 17966"/>
+            </a:avLst>
+          </a:prstGeom>
+          <a:solidFill>
+            <a:schemeClr val="accent2">
+              <a:lumMod val="60000"/>
+              <a:lumOff val="40000"/>
+            </a:schemeClr>
+          </a:solidFill>
+          <a:ln>
+            <a:noFill/>
+          </a:ln>
+        </p:spPr>
+        <p:style>
+          <a:lnRef idx="2">
+            <a:schemeClr val="accent1">
+              <a:shade val="50000"/>
+            </a:schemeClr>
+          </a:lnRef>
+          <a:fillRef idx="1">
+            <a:schemeClr val="accent1"/>
+          </a:fillRef>
+          <a:effectRef idx="0">
+            <a:schemeClr val="accent1"/>
+          </a:effectRef>
+          <a:fontRef idx="minor">
+            <a:schemeClr val="lt1"/>
+          </a:fontRef>
+        </p:style>
+        <p:txBody>
+          <a:bodyPr rtlCol="0" anchor="ctr"/>
+          <a:lstStyle/>
+          <a:p>
+            <a:pPr algn="ctr"/>
+            <a:r>
+              <a:rPr lang="zh-CN" altLang="en-US" sz="2000" dirty="0">
+                <a:solidFill>
+                  <a:sysClr val="windowText" lastClr="000000"/>
+                </a:solidFill>
+              </a:rPr>
+              <a:t>最热活动</a:t>
+            </a:r>
+          </a:p>
+        </p:txBody>
+      </p:sp>
     </p:spTree>
     <p:extLst>
       <p:ext uri="{BB962C8B-B14F-4D97-AF65-F5344CB8AC3E}">
